--- a/ppt/演示文稿1.pptx
+++ b/ppt/演示文稿1.pptx
@@ -8,12 +8,16 @@
     <p:notesMasterId r:id="rId4"/>
   </p:notesMasterIdLst>
   <p:handoutMasterIdLst>
-    <p:handoutMasterId r:id="rId7"/>
+    <p:handoutMasterId r:id="rId11"/>
   </p:handoutMasterIdLst>
   <p:sldIdLst>
     <p:sldId id="256" r:id="rId3"/>
     <p:sldId id="257" r:id="rId5"/>
     <p:sldId id="258" r:id="rId6"/>
+    <p:sldId id="259" r:id="rId7"/>
+    <p:sldId id="261" r:id="rId8"/>
+    <p:sldId id="260" r:id="rId9"/>
+    <p:sldId id="262" r:id="rId10"/>
   </p:sldIdLst>
   <p:sldSz cx="12192000" cy="6858000"/>
   <p:notesSz cx="6858000" cy="9144000"/>
@@ -165,8 +169,8 @@
           </a:lstStyle>
           <a:p>
             <a:endParaRPr lang="zh-CN" altLang="en-US">
-              <a:latin typeface="Microsoft YaHei" panose="020B0503020204020204" charset="-122"/>
-              <a:ea typeface="Microsoft YaHei" panose="020B0503020204020204" charset="-122"/>
+              <a:latin typeface="微软雅黑" panose="020B0503020204020204" charset="-122"/>
+              <a:ea typeface="微软雅黑" panose="020B0503020204020204" charset="-122"/>
             </a:endParaRPr>
           </a:p>
         </p:txBody>
@@ -200,13 +204,13 @@
           <a:p>
             <a:fld id="{0F9B84EA-7D68-4D60-9CB1-D50884785D1C}" type="datetimeFigureOut">
               <a:rPr lang="zh-CN" altLang="en-US" smtClean="0">
-                <a:latin typeface="Microsoft YaHei" panose="020B0503020204020204" charset="-122"/>
-                <a:ea typeface="Microsoft YaHei" panose="020B0503020204020204" charset="-122"/>
+                <a:latin typeface="微软雅黑" panose="020B0503020204020204" charset="-122"/>
+                <a:ea typeface="微软雅黑" panose="020B0503020204020204" charset="-122"/>
               </a:rPr>
             </a:fld>
             <a:endParaRPr lang="zh-CN" altLang="en-US" smtClean="0">
-              <a:latin typeface="Microsoft YaHei" panose="020B0503020204020204" charset="-122"/>
-              <a:ea typeface="Microsoft YaHei" panose="020B0503020204020204" charset="-122"/>
+              <a:latin typeface="微软雅黑" panose="020B0503020204020204" charset="-122"/>
+              <a:ea typeface="微软雅黑" panose="020B0503020204020204" charset="-122"/>
             </a:endParaRPr>
           </a:p>
         </p:txBody>
@@ -239,8 +243,8 @@
           </a:lstStyle>
           <a:p>
             <a:endParaRPr lang="zh-CN" altLang="en-US">
-              <a:latin typeface="Microsoft YaHei" panose="020B0503020204020204" charset="-122"/>
-              <a:ea typeface="Microsoft YaHei" panose="020B0503020204020204" charset="-122"/>
+              <a:latin typeface="微软雅黑" panose="020B0503020204020204" charset="-122"/>
+              <a:ea typeface="微软雅黑" panose="020B0503020204020204" charset="-122"/>
             </a:endParaRPr>
           </a:p>
         </p:txBody>
@@ -274,13 +278,13 @@
           <a:p>
             <a:fld id="{8D4E0FC9-F1F8-4FAE-9988-3BA365CFD46F}" type="slidenum">
               <a:rPr lang="zh-CN" altLang="en-US" smtClean="0">
-                <a:latin typeface="Microsoft YaHei" panose="020B0503020204020204" charset="-122"/>
-                <a:ea typeface="Microsoft YaHei" panose="020B0503020204020204" charset="-122"/>
+                <a:latin typeface="微软雅黑" panose="020B0503020204020204" charset="-122"/>
+                <a:ea typeface="微软雅黑" panose="020B0503020204020204" charset="-122"/>
               </a:rPr>
             </a:fld>
             <a:endParaRPr lang="zh-CN" altLang="en-US" smtClean="0">
-              <a:latin typeface="Microsoft YaHei" panose="020B0503020204020204" charset="-122"/>
-              <a:ea typeface="Microsoft YaHei" panose="020B0503020204020204" charset="-122"/>
+              <a:latin typeface="微软雅黑" panose="020B0503020204020204" charset="-122"/>
+              <a:ea typeface="微软雅黑" panose="020B0503020204020204" charset="-122"/>
             </a:endParaRPr>
           </a:p>
         </p:txBody>
@@ -337,8 +341,8 @@
           <a:lstStyle>
             <a:lvl1pPr algn="l">
               <a:defRPr sz="1200">
-                <a:latin typeface="Microsoft YaHei" panose="020B0503020204020204" charset="-122"/>
-                <a:ea typeface="Microsoft YaHei" panose="020B0503020204020204" charset="-122"/>
+                <a:latin typeface="微软雅黑" panose="020B0503020204020204" charset="-122"/>
+                <a:ea typeface="微软雅黑" panose="020B0503020204020204" charset="-122"/>
               </a:defRPr>
             </a:lvl1pPr>
           </a:lstStyle>
@@ -371,8 +375,8 @@
           <a:lstStyle>
             <a:lvl1pPr algn="r">
               <a:defRPr sz="1200">
-                <a:latin typeface="Microsoft YaHei" panose="020B0503020204020204" charset="-122"/>
-                <a:ea typeface="Microsoft YaHei" panose="020B0503020204020204" charset="-122"/>
+                <a:latin typeface="微软雅黑" panose="020B0503020204020204" charset="-122"/>
+                <a:ea typeface="微软雅黑" panose="020B0503020204020204" charset="-122"/>
               </a:defRPr>
             </a:lvl1pPr>
           </a:lstStyle>
@@ -505,8 +509,8 @@
           <a:lstStyle>
             <a:lvl1pPr algn="l">
               <a:defRPr sz="1200">
-                <a:latin typeface="Microsoft YaHei" panose="020B0503020204020204" charset="-122"/>
-                <a:ea typeface="Microsoft YaHei" panose="020B0503020204020204" charset="-122"/>
+                <a:latin typeface="微软雅黑" panose="020B0503020204020204" charset="-122"/>
+                <a:ea typeface="微软雅黑" panose="020B0503020204020204" charset="-122"/>
               </a:defRPr>
             </a:lvl1pPr>
           </a:lstStyle>
@@ -539,8 +543,8 @@
           <a:lstStyle>
             <a:lvl1pPr algn="r">
               <a:defRPr sz="1200">
-                <a:latin typeface="Microsoft YaHei" panose="020B0503020204020204" charset="-122"/>
-                <a:ea typeface="Microsoft YaHei" panose="020B0503020204020204" charset="-122"/>
+                <a:latin typeface="微软雅黑" panose="020B0503020204020204" charset="-122"/>
+                <a:ea typeface="微软雅黑" panose="020B0503020204020204" charset="-122"/>
               </a:defRPr>
             </a:lvl1pPr>
           </a:lstStyle>
@@ -561,8 +565,8 @@
         <a:solidFill>
           <a:schemeClr val="tx1"/>
         </a:solidFill>
-        <a:latin typeface="Microsoft YaHei" panose="020B0503020204020204" charset="-122"/>
-        <a:ea typeface="Microsoft YaHei" panose="020B0503020204020204" charset="-122"/>
+        <a:latin typeface="微软雅黑" panose="020B0503020204020204" charset="-122"/>
+        <a:ea typeface="微软雅黑" panose="020B0503020204020204" charset="-122"/>
         <a:cs typeface="+mn-cs"/>
       </a:defRPr>
     </a:lvl1pPr>
@@ -571,8 +575,8 @@
         <a:solidFill>
           <a:schemeClr val="tx1"/>
         </a:solidFill>
-        <a:latin typeface="Microsoft YaHei" panose="020B0503020204020204" charset="-122"/>
-        <a:ea typeface="Microsoft YaHei" panose="020B0503020204020204" charset="-122"/>
+        <a:latin typeface="微软雅黑" panose="020B0503020204020204" charset="-122"/>
+        <a:ea typeface="微软雅黑" panose="020B0503020204020204" charset="-122"/>
         <a:cs typeface="+mn-cs"/>
       </a:defRPr>
     </a:lvl2pPr>
@@ -581,8 +585,8 @@
         <a:solidFill>
           <a:schemeClr val="tx1"/>
         </a:solidFill>
-        <a:latin typeface="Microsoft YaHei" panose="020B0503020204020204" charset="-122"/>
-        <a:ea typeface="Microsoft YaHei" panose="020B0503020204020204" charset="-122"/>
+        <a:latin typeface="微软雅黑" panose="020B0503020204020204" charset="-122"/>
+        <a:ea typeface="微软雅黑" panose="020B0503020204020204" charset="-122"/>
         <a:cs typeface="+mn-cs"/>
       </a:defRPr>
     </a:lvl3pPr>
@@ -591,8 +595,8 @@
         <a:solidFill>
           <a:schemeClr val="tx1"/>
         </a:solidFill>
-        <a:latin typeface="Microsoft YaHei" panose="020B0503020204020204" charset="-122"/>
-        <a:ea typeface="Microsoft YaHei" panose="020B0503020204020204" charset="-122"/>
+        <a:latin typeface="微软雅黑" panose="020B0503020204020204" charset="-122"/>
+        <a:ea typeface="微软雅黑" panose="020B0503020204020204" charset="-122"/>
         <a:cs typeface="+mn-cs"/>
       </a:defRPr>
     </a:lvl4pPr>
@@ -601,8 +605,8 @@
         <a:solidFill>
           <a:schemeClr val="tx1"/>
         </a:solidFill>
-        <a:latin typeface="Microsoft YaHei" panose="020B0503020204020204" charset="-122"/>
-        <a:ea typeface="Microsoft YaHei" panose="020B0503020204020204" charset="-122"/>
+        <a:latin typeface="微软雅黑" panose="020B0503020204020204" charset="-122"/>
+        <a:ea typeface="微软雅黑" panose="020B0503020204020204" charset="-122"/>
         <a:cs typeface="+mn-cs"/>
       </a:defRPr>
     </a:lvl5pPr>
@@ -4950,8 +4954,8 @@
                     <a:lumMod val="75000"/>
                   </a:schemeClr>
                 </a:solidFill>
-                <a:latin typeface="Microsoft YaHei" panose="020B0503020204020204" charset="-122"/>
-                <a:ea typeface="Microsoft YaHei" panose="020B0503020204020204" charset="-122"/>
+                <a:latin typeface="微软雅黑" panose="020B0503020204020204" charset="-122"/>
+                <a:ea typeface="微软雅黑" panose="020B0503020204020204" charset="-122"/>
               </a:rPr>
               <a:t>new Vue()</a:t>
             </a:r>
@@ -4961,8 +4965,8 @@
                   <a:lumMod val="75000"/>
                 </a:schemeClr>
               </a:solidFill>
-              <a:latin typeface="Microsoft YaHei" panose="020B0503020204020204" charset="-122"/>
-              <a:ea typeface="Microsoft YaHei" panose="020B0503020204020204" charset="-122"/>
+              <a:latin typeface="微软雅黑" panose="020B0503020204020204" charset="-122"/>
+              <a:ea typeface="微软雅黑" panose="020B0503020204020204" charset="-122"/>
             </a:endParaRPr>
           </a:p>
         </p:txBody>
@@ -5879,8 +5883,8 @@
                     <a:lumMod val="75000"/>
                   </a:schemeClr>
                 </a:solidFill>
-                <a:latin typeface="Microsoft YaHei" panose="020B0503020204020204" charset="-122"/>
-                <a:ea typeface="Microsoft YaHei" panose="020B0503020204020204" charset="-122"/>
+                <a:latin typeface="微软雅黑" panose="020B0503020204020204" charset="-122"/>
+                <a:ea typeface="微软雅黑" panose="020B0503020204020204" charset="-122"/>
               </a:rPr>
               <a:t>new Vue()</a:t>
             </a:r>
@@ -5890,8 +5894,8 @@
                   <a:lumMod val="75000"/>
                 </a:schemeClr>
               </a:solidFill>
-              <a:latin typeface="Microsoft YaHei" panose="020B0503020204020204" charset="-122"/>
-              <a:ea typeface="Microsoft YaHei" panose="020B0503020204020204" charset="-122"/>
+              <a:latin typeface="微软雅黑" panose="020B0503020204020204" charset="-122"/>
+              <a:ea typeface="微软雅黑" panose="020B0503020204020204" charset="-122"/>
             </a:endParaRPr>
           </a:p>
         </p:txBody>
@@ -6762,7 +6766,7 @@
         </p:nvSpPr>
         <p:spPr>
           <a:xfrm>
-            <a:off x="514985" y="1431925"/>
+            <a:off x="2927985" y="1396365"/>
             <a:ext cx="1725295" cy="643255"/>
           </a:xfrm>
           <a:prstGeom prst="roundRect">
@@ -6808,10 +6812,10 @@
                     <a:lumMod val="75000"/>
                   </a:schemeClr>
                 </a:solidFill>
-                <a:latin typeface="Microsoft YaHei" panose="020B0503020204020204" charset="-122"/>
-                <a:ea typeface="Microsoft YaHei" panose="020B0503020204020204" charset="-122"/>
+                <a:latin typeface="微软雅黑" panose="020B0503020204020204" charset="-122"/>
+                <a:ea typeface="微软雅黑" panose="020B0503020204020204" charset="-122"/>
               </a:rPr>
-              <a:t>new Vue()</a:t>
+              <a:t>data</a:t>
             </a:r>
             <a:endParaRPr lang="en-US" altLang="zh-CN" b="1">
               <a:solidFill>
@@ -6819,52 +6823,9 @@
                   <a:lumMod val="75000"/>
                 </a:schemeClr>
               </a:solidFill>
-              <a:latin typeface="Microsoft YaHei" panose="020B0503020204020204" charset="-122"/>
-              <a:ea typeface="Microsoft YaHei" panose="020B0503020204020204" charset="-122"/>
+              <a:latin typeface="微软雅黑" panose="020B0503020204020204" charset="-122"/>
+              <a:ea typeface="微软雅黑" panose="020B0503020204020204" charset="-122"/>
             </a:endParaRPr>
-          </a:p>
-        </p:txBody>
-      </p:sp>
-      <p:sp>
-        <p:nvSpPr>
-          <p:cNvPr id="8" name="圆角矩形 7"/>
-          <p:cNvSpPr/>
-          <p:nvPr/>
-        </p:nvSpPr>
-        <p:spPr>
-          <a:xfrm>
-            <a:off x="3513455" y="2421890"/>
-            <a:ext cx="1637665" cy="604520"/>
-          </a:xfrm>
-          <a:prstGeom prst="roundRect">
-            <a:avLst/>
-          </a:prstGeom>
-        </p:spPr>
-        <p:style>
-          <a:lnRef idx="2">
-            <a:schemeClr val="accent1">
-              <a:shade val="50000"/>
-            </a:schemeClr>
-          </a:lnRef>
-          <a:fillRef idx="1">
-            <a:schemeClr val="accent1"/>
-          </a:fillRef>
-          <a:effectRef idx="0">
-            <a:schemeClr val="accent1"/>
-          </a:effectRef>
-          <a:fontRef idx="minor">
-            <a:schemeClr val="lt1"/>
-          </a:fontRef>
-        </p:style>
-        <p:txBody>
-          <a:bodyPr rtlCol="0" anchor="ctr"/>
-          <a:p>
-            <a:pPr algn="ctr"/>
-            <a:r>
-              <a:rPr lang="en-US" altLang="zh-CN"/>
-              <a:t>Compile</a:t>
-            </a:r>
-            <a:endParaRPr lang="en-US" altLang="zh-CN"/>
           </a:p>
         </p:txBody>
       </p:sp>
@@ -6962,7 +6923,7 @@
         </p:nvGrpSpPr>
         <p:grpSpPr>
           <a:xfrm>
-            <a:off x="7669530" y="3366135"/>
+            <a:off x="7739380" y="2039620"/>
             <a:ext cx="1775460" cy="1560830"/>
             <a:chOff x="12078" y="5301"/>
             <a:chExt cx="2796" cy="2458"/>
@@ -7111,57 +7072,18 @@
           <p:cNvPr id="16" name="曲线连接符 15"/>
           <p:cNvCxnSpPr>
             <a:stCxn id="7" idx="3"/>
-            <a:endCxn id="8" idx="1"/>
+            <a:endCxn id="2" idx="1"/>
           </p:cNvCxnSpPr>
           <p:nvPr/>
         </p:nvCxnSpPr>
         <p:spPr>
-          <a:xfrm>
-            <a:off x="2240280" y="1753870"/>
-            <a:ext cx="1273175" cy="970280"/>
+          <a:xfrm flipV="1">
+            <a:off x="4653280" y="934085"/>
+            <a:ext cx="1285875" cy="784225"/>
           </a:xfrm>
           <a:prstGeom prst="curvedConnector3">
             <a:avLst>
               <a:gd name="adj1" fmla="val 50025"/>
-            </a:avLst>
-          </a:prstGeom>
-          <a:ln w="25400">
-            <a:prstDash val="dash"/>
-            <a:tailEnd type="arrow" w="med" len="med"/>
-          </a:ln>
-        </p:spPr>
-        <p:style>
-          <a:lnRef idx="3">
-            <a:schemeClr val="accent6"/>
-          </a:lnRef>
-          <a:fillRef idx="0">
-            <a:schemeClr val="accent6"/>
-          </a:fillRef>
-          <a:effectRef idx="2">
-            <a:schemeClr val="accent6"/>
-          </a:effectRef>
-          <a:fontRef idx="minor">
-            <a:schemeClr val="tx1"/>
-          </a:fontRef>
-        </p:style>
-      </p:cxnSp>
-      <p:cxnSp>
-        <p:nvCxnSpPr>
-          <p:cNvPr id="17" name="曲线连接符 16"/>
-          <p:cNvCxnSpPr>
-            <a:stCxn id="8" idx="3"/>
-            <a:endCxn id="10" idx="1"/>
-          </p:cNvCxnSpPr>
-          <p:nvPr/>
-        </p:nvCxnSpPr>
-        <p:spPr>
-          <a:xfrm>
-            <a:off x="5151120" y="2724150"/>
-            <a:ext cx="2147570" cy="413385"/>
-          </a:xfrm>
-          <a:prstGeom prst="curvedConnector3">
-            <a:avLst>
-              <a:gd name="adj1" fmla="val 50000"/>
             </a:avLst>
           </a:prstGeom>
           <a:ln w="25400">
@@ -7195,8 +7117,8 @@
         </p:nvCxnSpPr>
         <p:spPr>
           <a:xfrm>
-            <a:off x="5151120" y="1129665"/>
-            <a:ext cx="3406775" cy="2236470"/>
+            <a:off x="7576820" y="934085"/>
+            <a:ext cx="1050925" cy="1105535"/>
           </a:xfrm>
           <a:prstGeom prst="curvedConnector2">
             <a:avLst/>
@@ -7235,8 +7157,8 @@
         </p:nvCxnSpPr>
         <p:spPr>
           <a:xfrm rot="10800000" flipV="1">
-            <a:off x="6469380" y="4146550"/>
-            <a:ext cx="1199515" cy="907415"/>
+            <a:off x="6470015" y="2820670"/>
+            <a:ext cx="1269365" cy="2233930"/>
           </a:xfrm>
           <a:prstGeom prst="curvedConnector2">
             <a:avLst/>
@@ -7528,7 +7450,7 @@
         </p:nvSpPr>
         <p:spPr>
           <a:xfrm>
-            <a:off x="6109970" y="4097655"/>
+            <a:off x="5939155" y="3898900"/>
             <a:ext cx="1296670" cy="306705"/>
           </a:xfrm>
           <a:prstGeom prst="rect">
@@ -7554,13 +7476,14 @@
           <p:cNvPr id="30" name="曲线连接符 29"/>
           <p:cNvCxnSpPr>
             <a:stCxn id="11" idx="3"/>
+            <a:endCxn id="13" idx="6"/>
           </p:cNvCxnSpPr>
           <p:nvPr/>
         </p:nvCxnSpPr>
         <p:spPr>
           <a:xfrm rot="5400000">
-            <a:off x="6866890" y="4405630"/>
-            <a:ext cx="770255" cy="1355725"/>
+            <a:off x="6317615" y="3679190"/>
+            <a:ext cx="1989455" cy="1374775"/>
           </a:xfrm>
           <a:prstGeom prst="curvedConnector2">
             <a:avLst/>
@@ -7596,7 +7519,7 @@
         </p:nvSpPr>
         <p:spPr>
           <a:xfrm>
-            <a:off x="7080885" y="5361940"/>
+            <a:off x="7668260" y="4404360"/>
             <a:ext cx="1296670" cy="306705"/>
           </a:xfrm>
           <a:prstGeom prst="rect">
@@ -7625,7 +7548,7 @@
         </p:nvSpPr>
         <p:spPr>
           <a:xfrm>
-            <a:off x="3513455" y="827405"/>
+            <a:off x="5939155" y="631825"/>
             <a:ext cx="1637665" cy="604520"/>
           </a:xfrm>
           <a:prstGeom prst="roundRect">
@@ -7657,6 +7580,3171 @@
               <a:t>Observer</a:t>
             </a:r>
             <a:endParaRPr lang="en-US" altLang="zh-CN"/>
+          </a:p>
+        </p:txBody>
+      </p:sp>
+      <p:sp>
+        <p:nvSpPr>
+          <p:cNvPr id="5" name="文本框 4"/>
+          <p:cNvSpPr txBox="1"/>
+          <p:nvPr/>
+        </p:nvSpPr>
+        <p:spPr>
+          <a:xfrm>
+            <a:off x="6195060" y="1236345"/>
+            <a:ext cx="1127125" cy="306705"/>
+          </a:xfrm>
+          <a:prstGeom prst="rect">
+            <a:avLst/>
+          </a:prstGeom>
+          <a:noFill/>
+        </p:spPr>
+        <p:txBody>
+          <a:bodyPr wrap="square" rtlCol="0">
+            <a:spAutoFit/>
+          </a:bodyPr>
+          <a:p>
+            <a:r>
+              <a:rPr lang="zh-CN" altLang="en-US" sz="1400"/>
+              <a:t>数据监听器</a:t>
+            </a:r>
+            <a:endParaRPr lang="zh-CN" altLang="en-US" sz="1400"/>
+          </a:p>
+        </p:txBody>
+      </p:sp>
+      <p:sp>
+        <p:nvSpPr>
+          <p:cNvPr id="6" name="文本框 5"/>
+          <p:cNvSpPr txBox="1"/>
+          <p:nvPr/>
+        </p:nvSpPr>
+        <p:spPr>
+          <a:xfrm>
+            <a:off x="9515475" y="2632075"/>
+            <a:ext cx="1127125" cy="306705"/>
+          </a:xfrm>
+          <a:prstGeom prst="rect">
+            <a:avLst/>
+          </a:prstGeom>
+          <a:noFill/>
+        </p:spPr>
+        <p:txBody>
+          <a:bodyPr wrap="square" rtlCol="0">
+            <a:spAutoFit/>
+          </a:bodyPr>
+          <a:p>
+            <a:r>
+              <a:rPr lang="zh-CN" altLang="en-US" sz="1400"/>
+              <a:t>响应式数据</a:t>
+            </a:r>
+            <a:endParaRPr lang="zh-CN" altLang="en-US" sz="1400"/>
+          </a:p>
+        </p:txBody>
+      </p:sp>
+      <p:sp>
+        <p:nvSpPr>
+          <p:cNvPr id="9" name="文本框 8"/>
+          <p:cNvSpPr txBox="1"/>
+          <p:nvPr/>
+        </p:nvSpPr>
+        <p:spPr>
+          <a:xfrm>
+            <a:off x="3366770" y="3077845"/>
+            <a:ext cx="680085" cy="306705"/>
+          </a:xfrm>
+          <a:prstGeom prst="rect">
+            <a:avLst/>
+          </a:prstGeom>
+          <a:noFill/>
+        </p:spPr>
+        <p:txBody>
+          <a:bodyPr wrap="square" rtlCol="0">
+            <a:spAutoFit/>
+          </a:bodyPr>
+          <a:p>
+            <a:r>
+              <a:rPr lang="zh-CN" altLang="en-US" sz="1400"/>
+              <a:t>依赖</a:t>
+            </a:r>
+            <a:endParaRPr lang="zh-CN" altLang="en-US" sz="1400"/>
+          </a:p>
+        </p:txBody>
+      </p:sp>
+      <p:sp>
+        <p:nvSpPr>
+          <p:cNvPr id="10" name="文本框 9"/>
+          <p:cNvSpPr txBox="1"/>
+          <p:nvPr/>
+        </p:nvSpPr>
+        <p:spPr>
+          <a:xfrm>
+            <a:off x="5722620" y="5801995"/>
+            <a:ext cx="1253490" cy="306705"/>
+          </a:xfrm>
+          <a:prstGeom prst="rect">
+            <a:avLst/>
+          </a:prstGeom>
+          <a:noFill/>
+        </p:spPr>
+        <p:txBody>
+          <a:bodyPr wrap="square" rtlCol="0">
+            <a:spAutoFit/>
+          </a:bodyPr>
+          <a:p>
+            <a:r>
+              <a:rPr lang="zh-CN" altLang="en-US" sz="1400"/>
+              <a:t>消息订阅器</a:t>
+            </a:r>
+            <a:endParaRPr lang="zh-CN" altLang="en-US" sz="1400"/>
+          </a:p>
+        </p:txBody>
+      </p:sp>
+    </p:spTree>
+    <p:custDataLst>
+      <p:tags r:id="rId1"/>
+    </p:custDataLst>
+  </p:cSld>
+  <p:clrMapOvr>
+    <a:masterClrMapping/>
+  </p:clrMapOvr>
+</p:sld>
+</file>
+
+<file path=ppt/slides/slide4.xml><?xml version="1.0" encoding="utf-8"?>
+<p:sld xmlns:a="http://schemas.openxmlformats.org/drawingml/2006/main" xmlns:r="http://schemas.openxmlformats.org/officeDocument/2006/relationships" xmlns:p="http://schemas.openxmlformats.org/presentationml/2006/main">
+  <p:cSld>
+    <p:bg>
+      <p:bgPr>
+        <a:solidFill>
+          <a:schemeClr val="bg1"/>
+        </a:solidFill>
+        <a:effectLst/>
+      </p:bgPr>
+    </p:bg>
+    <p:spTree>
+      <p:nvGrpSpPr>
+        <p:cNvPr id="1" name=""/>
+        <p:cNvGrpSpPr/>
+        <p:nvPr/>
+      </p:nvGrpSpPr>
+      <p:grpSpPr/>
+      <p:sp>
+        <p:nvSpPr>
+          <p:cNvPr id="7" name="圆角矩形 6"/>
+          <p:cNvSpPr/>
+          <p:nvPr/>
+        </p:nvSpPr>
+        <p:spPr>
+          <a:xfrm>
+            <a:off x="1403985" y="1268730"/>
+            <a:ext cx="1725295" cy="643255"/>
+          </a:xfrm>
+          <a:prstGeom prst="roundRect">
+            <a:avLst/>
+          </a:prstGeom>
+          <a:solidFill>
+            <a:schemeClr val="accent1">
+              <a:lumMod val="20000"/>
+              <a:lumOff val="80000"/>
+            </a:schemeClr>
+          </a:solidFill>
+          <a:ln w="28575" cmpd="sng">
+            <a:solidFill>
+              <a:schemeClr val="accent1">
+                <a:shade val="50000"/>
+              </a:schemeClr>
+            </a:solidFill>
+            <a:prstDash val="solid"/>
+          </a:ln>
+        </p:spPr>
+        <p:style>
+          <a:lnRef idx="1">
+            <a:schemeClr val="accent1"/>
+          </a:lnRef>
+          <a:fillRef idx="2">
+            <a:schemeClr val="accent1"/>
+          </a:fillRef>
+          <a:effectRef idx="1">
+            <a:schemeClr val="accent1"/>
+          </a:effectRef>
+          <a:fontRef idx="minor">
+            <a:schemeClr val="dk1"/>
+          </a:fontRef>
+        </p:style>
+        <p:txBody>
+          <a:bodyPr rtlCol="0" anchor="ctr"/>
+          <a:p>
+            <a:pPr algn="ctr"/>
+            <a:r>
+              <a:rPr lang="en-US" altLang="zh-CN" b="1">
+                <a:solidFill>
+                  <a:schemeClr val="accent1">
+                    <a:lumMod val="75000"/>
+                  </a:schemeClr>
+                </a:solidFill>
+                <a:latin typeface="微软雅黑" panose="020B0503020204020204" charset="-122"/>
+                <a:ea typeface="微软雅黑" panose="020B0503020204020204" charset="-122"/>
+              </a:rPr>
+              <a:t>View</a:t>
+            </a:r>
+            <a:endParaRPr lang="en-US" altLang="zh-CN" b="1">
+              <a:solidFill>
+                <a:schemeClr val="accent1">
+                  <a:lumMod val="75000"/>
+                </a:schemeClr>
+              </a:solidFill>
+              <a:latin typeface="微软雅黑" panose="020B0503020204020204" charset="-122"/>
+              <a:ea typeface="微软雅黑" panose="020B0503020204020204" charset="-122"/>
+            </a:endParaRPr>
+          </a:p>
+        </p:txBody>
+      </p:sp>
+      <p:sp>
+        <p:nvSpPr>
+          <p:cNvPr id="4" name="圆角矩形 3"/>
+          <p:cNvSpPr/>
+          <p:nvPr/>
+        </p:nvSpPr>
+        <p:spPr>
+          <a:xfrm>
+            <a:off x="4446270" y="1268730"/>
+            <a:ext cx="1725295" cy="643255"/>
+          </a:xfrm>
+          <a:prstGeom prst="roundRect">
+            <a:avLst/>
+          </a:prstGeom>
+          <a:solidFill>
+            <a:schemeClr val="accent1">
+              <a:lumMod val="20000"/>
+              <a:lumOff val="80000"/>
+            </a:schemeClr>
+          </a:solidFill>
+          <a:ln w="28575" cmpd="sng">
+            <a:solidFill>
+              <a:schemeClr val="accent1">
+                <a:shade val="50000"/>
+              </a:schemeClr>
+            </a:solidFill>
+            <a:prstDash val="solid"/>
+          </a:ln>
+        </p:spPr>
+        <p:style>
+          <a:lnRef idx="1">
+            <a:schemeClr val="accent1"/>
+          </a:lnRef>
+          <a:fillRef idx="2">
+            <a:schemeClr val="accent1"/>
+          </a:fillRef>
+          <a:effectRef idx="1">
+            <a:schemeClr val="accent1"/>
+          </a:effectRef>
+          <a:fontRef idx="minor">
+            <a:schemeClr val="dk1"/>
+          </a:fontRef>
+        </p:style>
+        <p:txBody>
+          <a:bodyPr rtlCol="0" anchor="ctr"/>
+          <a:p>
+            <a:pPr algn="ctr"/>
+            <a:r>
+              <a:rPr lang="en-US" altLang="zh-CN" b="1">
+                <a:solidFill>
+                  <a:schemeClr val="accent1">
+                    <a:lumMod val="75000"/>
+                  </a:schemeClr>
+                </a:solidFill>
+                <a:latin typeface="微软雅黑" panose="020B0503020204020204" charset="-122"/>
+                <a:ea typeface="微软雅黑" panose="020B0503020204020204" charset="-122"/>
+              </a:rPr>
+              <a:t>Controller</a:t>
+            </a:r>
+            <a:endParaRPr lang="en-US" altLang="zh-CN" b="1">
+              <a:solidFill>
+                <a:schemeClr val="accent1">
+                  <a:lumMod val="75000"/>
+                </a:schemeClr>
+              </a:solidFill>
+              <a:latin typeface="微软雅黑" panose="020B0503020204020204" charset="-122"/>
+              <a:ea typeface="微软雅黑" panose="020B0503020204020204" charset="-122"/>
+            </a:endParaRPr>
+          </a:p>
+        </p:txBody>
+      </p:sp>
+      <p:sp>
+        <p:nvSpPr>
+          <p:cNvPr id="5" name="圆角矩形 4"/>
+          <p:cNvSpPr/>
+          <p:nvPr/>
+        </p:nvSpPr>
+        <p:spPr>
+          <a:xfrm>
+            <a:off x="7394575" y="1268730"/>
+            <a:ext cx="1725295" cy="643255"/>
+          </a:xfrm>
+          <a:prstGeom prst="roundRect">
+            <a:avLst/>
+          </a:prstGeom>
+          <a:solidFill>
+            <a:schemeClr val="accent1">
+              <a:lumMod val="20000"/>
+              <a:lumOff val="80000"/>
+            </a:schemeClr>
+          </a:solidFill>
+          <a:ln w="28575" cmpd="sng">
+            <a:solidFill>
+              <a:schemeClr val="accent1">
+                <a:shade val="50000"/>
+              </a:schemeClr>
+            </a:solidFill>
+            <a:prstDash val="solid"/>
+          </a:ln>
+        </p:spPr>
+        <p:style>
+          <a:lnRef idx="1">
+            <a:schemeClr val="accent1"/>
+          </a:lnRef>
+          <a:fillRef idx="2">
+            <a:schemeClr val="accent1"/>
+          </a:fillRef>
+          <a:effectRef idx="1">
+            <a:schemeClr val="accent1"/>
+          </a:effectRef>
+          <a:fontRef idx="minor">
+            <a:schemeClr val="dk1"/>
+          </a:fontRef>
+        </p:style>
+        <p:txBody>
+          <a:bodyPr rtlCol="0" anchor="ctr"/>
+          <a:p>
+            <a:pPr algn="ctr"/>
+            <a:r>
+              <a:rPr lang="en-US" altLang="zh-CN" b="1">
+                <a:solidFill>
+                  <a:schemeClr val="accent1">
+                    <a:lumMod val="75000"/>
+                  </a:schemeClr>
+                </a:solidFill>
+                <a:latin typeface="微软雅黑" panose="020B0503020204020204" charset="-122"/>
+                <a:ea typeface="微软雅黑" panose="020B0503020204020204" charset="-122"/>
+              </a:rPr>
+              <a:t>Model</a:t>
+            </a:r>
+            <a:endParaRPr lang="en-US" altLang="zh-CN" b="1">
+              <a:solidFill>
+                <a:schemeClr val="accent1">
+                  <a:lumMod val="75000"/>
+                </a:schemeClr>
+              </a:solidFill>
+              <a:latin typeface="微软雅黑" panose="020B0503020204020204" charset="-122"/>
+              <a:ea typeface="微软雅黑" panose="020B0503020204020204" charset="-122"/>
+            </a:endParaRPr>
+          </a:p>
+        </p:txBody>
+      </p:sp>
+      <p:sp>
+        <p:nvSpPr>
+          <p:cNvPr id="6" name="圆角矩形 5"/>
+          <p:cNvSpPr/>
+          <p:nvPr/>
+        </p:nvSpPr>
+        <p:spPr>
+          <a:xfrm>
+            <a:off x="1403985" y="3560445"/>
+            <a:ext cx="1725295" cy="643255"/>
+          </a:xfrm>
+          <a:prstGeom prst="roundRect">
+            <a:avLst/>
+          </a:prstGeom>
+          <a:solidFill>
+            <a:schemeClr val="accent1">
+              <a:lumMod val="20000"/>
+              <a:lumOff val="80000"/>
+            </a:schemeClr>
+          </a:solidFill>
+          <a:ln w="28575" cmpd="sng">
+            <a:solidFill>
+              <a:schemeClr val="accent1">
+                <a:shade val="50000"/>
+              </a:schemeClr>
+            </a:solidFill>
+            <a:prstDash val="solid"/>
+          </a:ln>
+        </p:spPr>
+        <p:style>
+          <a:lnRef idx="1">
+            <a:schemeClr val="accent1"/>
+          </a:lnRef>
+          <a:fillRef idx="2">
+            <a:schemeClr val="accent1"/>
+          </a:fillRef>
+          <a:effectRef idx="1">
+            <a:schemeClr val="accent1"/>
+          </a:effectRef>
+          <a:fontRef idx="minor">
+            <a:schemeClr val="dk1"/>
+          </a:fontRef>
+        </p:style>
+        <p:txBody>
+          <a:bodyPr rtlCol="0" anchor="ctr"/>
+          <a:p>
+            <a:pPr algn="ctr"/>
+            <a:r>
+              <a:rPr lang="en-US" altLang="zh-CN" b="1">
+                <a:solidFill>
+                  <a:schemeClr val="accent1">
+                    <a:lumMod val="75000"/>
+                  </a:schemeClr>
+                </a:solidFill>
+                <a:latin typeface="微软雅黑" panose="020B0503020204020204" charset="-122"/>
+                <a:ea typeface="微软雅黑" panose="020B0503020204020204" charset="-122"/>
+              </a:rPr>
+              <a:t>View</a:t>
+            </a:r>
+            <a:endParaRPr lang="en-US" altLang="zh-CN" b="1">
+              <a:solidFill>
+                <a:schemeClr val="accent1">
+                  <a:lumMod val="75000"/>
+                </a:schemeClr>
+              </a:solidFill>
+              <a:latin typeface="微软雅黑" panose="020B0503020204020204" charset="-122"/>
+              <a:ea typeface="微软雅黑" panose="020B0503020204020204" charset="-122"/>
+            </a:endParaRPr>
+          </a:p>
+        </p:txBody>
+      </p:sp>
+      <p:sp>
+        <p:nvSpPr>
+          <p:cNvPr id="8" name="圆角矩形 7"/>
+          <p:cNvSpPr/>
+          <p:nvPr/>
+        </p:nvSpPr>
+        <p:spPr>
+          <a:xfrm>
+            <a:off x="4446270" y="3560445"/>
+            <a:ext cx="1725295" cy="643255"/>
+          </a:xfrm>
+          <a:prstGeom prst="roundRect">
+            <a:avLst/>
+          </a:prstGeom>
+          <a:solidFill>
+            <a:schemeClr val="accent1">
+              <a:lumMod val="20000"/>
+              <a:lumOff val="80000"/>
+            </a:schemeClr>
+          </a:solidFill>
+          <a:ln w="28575" cmpd="sng">
+            <a:solidFill>
+              <a:schemeClr val="accent1">
+                <a:shade val="50000"/>
+              </a:schemeClr>
+            </a:solidFill>
+            <a:prstDash val="solid"/>
+          </a:ln>
+        </p:spPr>
+        <p:style>
+          <a:lnRef idx="1">
+            <a:schemeClr val="accent1"/>
+          </a:lnRef>
+          <a:fillRef idx="2">
+            <a:schemeClr val="accent1"/>
+          </a:fillRef>
+          <a:effectRef idx="1">
+            <a:schemeClr val="accent1"/>
+          </a:effectRef>
+          <a:fontRef idx="minor">
+            <a:schemeClr val="dk1"/>
+          </a:fontRef>
+        </p:style>
+        <p:txBody>
+          <a:bodyPr rtlCol="0" anchor="ctr"/>
+          <a:p>
+            <a:pPr algn="ctr"/>
+            <a:r>
+              <a:rPr lang="en-US" altLang="zh-CN" b="1">
+                <a:solidFill>
+                  <a:schemeClr val="accent1">
+                    <a:lumMod val="75000"/>
+                  </a:schemeClr>
+                </a:solidFill>
+                <a:latin typeface="微软雅黑" panose="020B0503020204020204" charset="-122"/>
+                <a:ea typeface="微软雅黑" panose="020B0503020204020204" charset="-122"/>
+              </a:rPr>
+              <a:t>ModelView</a:t>
+            </a:r>
+            <a:endParaRPr lang="en-US" altLang="zh-CN" b="1">
+              <a:solidFill>
+                <a:schemeClr val="accent1">
+                  <a:lumMod val="75000"/>
+                </a:schemeClr>
+              </a:solidFill>
+              <a:latin typeface="微软雅黑" panose="020B0503020204020204" charset="-122"/>
+              <a:ea typeface="微软雅黑" panose="020B0503020204020204" charset="-122"/>
+            </a:endParaRPr>
+          </a:p>
+        </p:txBody>
+      </p:sp>
+      <p:sp>
+        <p:nvSpPr>
+          <p:cNvPr id="9" name="圆角矩形 8"/>
+          <p:cNvSpPr/>
+          <p:nvPr/>
+        </p:nvSpPr>
+        <p:spPr>
+          <a:xfrm>
+            <a:off x="7216140" y="3560445"/>
+            <a:ext cx="1725295" cy="643255"/>
+          </a:xfrm>
+          <a:prstGeom prst="roundRect">
+            <a:avLst/>
+          </a:prstGeom>
+          <a:solidFill>
+            <a:schemeClr val="accent1">
+              <a:lumMod val="20000"/>
+              <a:lumOff val="80000"/>
+            </a:schemeClr>
+          </a:solidFill>
+          <a:ln w="28575" cmpd="sng">
+            <a:solidFill>
+              <a:schemeClr val="accent1">
+                <a:shade val="50000"/>
+              </a:schemeClr>
+            </a:solidFill>
+            <a:prstDash val="solid"/>
+          </a:ln>
+        </p:spPr>
+        <p:style>
+          <a:lnRef idx="1">
+            <a:schemeClr val="accent1"/>
+          </a:lnRef>
+          <a:fillRef idx="2">
+            <a:schemeClr val="accent1"/>
+          </a:fillRef>
+          <a:effectRef idx="1">
+            <a:schemeClr val="accent1"/>
+          </a:effectRef>
+          <a:fontRef idx="minor">
+            <a:schemeClr val="dk1"/>
+          </a:fontRef>
+        </p:style>
+        <p:txBody>
+          <a:bodyPr rtlCol="0" anchor="ctr"/>
+          <a:p>
+            <a:pPr algn="ctr"/>
+            <a:r>
+              <a:rPr lang="en-US" altLang="zh-CN" b="1">
+                <a:solidFill>
+                  <a:schemeClr val="accent1">
+                    <a:lumMod val="75000"/>
+                  </a:schemeClr>
+                </a:solidFill>
+                <a:latin typeface="微软雅黑" panose="020B0503020204020204" charset="-122"/>
+                <a:ea typeface="微软雅黑" panose="020B0503020204020204" charset="-122"/>
+              </a:rPr>
+              <a:t>Model</a:t>
+            </a:r>
+            <a:endParaRPr lang="en-US" altLang="zh-CN" b="1">
+              <a:solidFill>
+                <a:schemeClr val="accent1">
+                  <a:lumMod val="75000"/>
+                </a:schemeClr>
+              </a:solidFill>
+              <a:latin typeface="微软雅黑" panose="020B0503020204020204" charset="-122"/>
+              <a:ea typeface="微软雅黑" panose="020B0503020204020204" charset="-122"/>
+            </a:endParaRPr>
+          </a:p>
+        </p:txBody>
+      </p:sp>
+      <p:cxnSp>
+        <p:nvCxnSpPr>
+          <p:cNvPr id="10" name="直接箭头连接符 9"/>
+          <p:cNvCxnSpPr>
+            <a:stCxn id="6" idx="3"/>
+            <a:endCxn id="8" idx="1"/>
+          </p:cNvCxnSpPr>
+          <p:nvPr/>
+        </p:nvCxnSpPr>
+        <p:spPr>
+          <a:xfrm>
+            <a:off x="3129280" y="3882390"/>
+            <a:ext cx="1316990" cy="0"/>
+          </a:xfrm>
+          <a:prstGeom prst="straightConnector1">
+            <a:avLst/>
+          </a:prstGeom>
+          <a:ln>
+            <a:headEnd type="arrow" w="med" len="med"/>
+            <a:tailEnd type="arrow" w="med" len="med"/>
+          </a:ln>
+        </p:spPr>
+        <p:style>
+          <a:lnRef idx="3">
+            <a:schemeClr val="accent6"/>
+          </a:lnRef>
+          <a:fillRef idx="0">
+            <a:schemeClr val="accent6"/>
+          </a:fillRef>
+          <a:effectRef idx="2">
+            <a:schemeClr val="accent6"/>
+          </a:effectRef>
+          <a:fontRef idx="minor">
+            <a:schemeClr val="tx1"/>
+          </a:fontRef>
+        </p:style>
+      </p:cxnSp>
+      <p:sp>
+        <p:nvSpPr>
+          <p:cNvPr id="11" name="文本框 10"/>
+          <p:cNvSpPr txBox="1"/>
+          <p:nvPr/>
+        </p:nvSpPr>
+        <p:spPr>
+          <a:xfrm>
+            <a:off x="3161030" y="3469640"/>
+            <a:ext cx="1252855" cy="306705"/>
+          </a:xfrm>
+          <a:prstGeom prst="rect">
+            <a:avLst/>
+          </a:prstGeom>
+          <a:noFill/>
+        </p:spPr>
+        <p:txBody>
+          <a:bodyPr wrap="square" rtlCol="0">
+            <a:spAutoFit/>
+          </a:bodyPr>
+          <a:p>
+            <a:r>
+              <a:rPr lang="zh-CN" altLang="en-US" sz="1400"/>
+              <a:t>数据双向绑定</a:t>
+            </a:r>
+            <a:endParaRPr lang="zh-CN" altLang="en-US" sz="1400"/>
+          </a:p>
+        </p:txBody>
+      </p:sp>
+      <p:cxnSp>
+        <p:nvCxnSpPr>
+          <p:cNvPr id="12" name="直接箭头连接符 11"/>
+          <p:cNvCxnSpPr/>
+          <p:nvPr/>
+        </p:nvCxnSpPr>
+        <p:spPr>
+          <a:xfrm>
+            <a:off x="6171565" y="3776345"/>
+            <a:ext cx="1043940" cy="0"/>
+          </a:xfrm>
+          <a:prstGeom prst="straightConnector1">
+            <a:avLst/>
+          </a:prstGeom>
+          <a:ln>
+            <a:tailEnd type="arrow"/>
+          </a:ln>
+        </p:spPr>
+        <p:style>
+          <a:lnRef idx="1">
+            <a:schemeClr val="accent1"/>
+          </a:lnRef>
+          <a:fillRef idx="0">
+            <a:schemeClr val="accent1"/>
+          </a:fillRef>
+          <a:effectRef idx="0">
+            <a:schemeClr val="accent1"/>
+          </a:effectRef>
+          <a:fontRef idx="minor">
+            <a:schemeClr val="tx1"/>
+          </a:fontRef>
+        </p:style>
+      </p:cxnSp>
+      <p:cxnSp>
+        <p:nvCxnSpPr>
+          <p:cNvPr id="13" name="直接箭头连接符 12"/>
+          <p:cNvCxnSpPr/>
+          <p:nvPr/>
+        </p:nvCxnSpPr>
+        <p:spPr>
+          <a:xfrm flipH="1">
+            <a:off x="6171565" y="3882390"/>
+            <a:ext cx="1044008" cy="0"/>
+          </a:xfrm>
+          <a:prstGeom prst="straightConnector1">
+            <a:avLst/>
+          </a:prstGeom>
+          <a:ln>
+            <a:tailEnd type="arrow"/>
+          </a:ln>
+        </p:spPr>
+        <p:style>
+          <a:lnRef idx="1">
+            <a:schemeClr val="accent1"/>
+          </a:lnRef>
+          <a:fillRef idx="0">
+            <a:schemeClr val="accent1"/>
+          </a:fillRef>
+          <a:effectRef idx="0">
+            <a:schemeClr val="accent1"/>
+          </a:effectRef>
+          <a:fontRef idx="minor">
+            <a:schemeClr val="tx1"/>
+          </a:fontRef>
+        </p:style>
+      </p:cxnSp>
+      <p:sp>
+        <p:nvSpPr>
+          <p:cNvPr id="14" name="文本框 13"/>
+          <p:cNvSpPr txBox="1"/>
+          <p:nvPr/>
+        </p:nvSpPr>
+        <p:spPr>
+          <a:xfrm>
+            <a:off x="6353810" y="3374390"/>
+            <a:ext cx="679450" cy="306705"/>
+          </a:xfrm>
+          <a:prstGeom prst="rect">
+            <a:avLst/>
+          </a:prstGeom>
+          <a:noFill/>
+        </p:spPr>
+        <p:txBody>
+          <a:bodyPr wrap="square" rtlCol="0">
+            <a:spAutoFit/>
+          </a:bodyPr>
+          <a:p>
+            <a:r>
+              <a:rPr lang="zh-CN" altLang="en-US" sz="1400"/>
+              <a:t>跟新</a:t>
+            </a:r>
+            <a:endParaRPr lang="zh-CN" altLang="en-US" sz="1400"/>
+          </a:p>
+        </p:txBody>
+      </p:sp>
+      <p:cxnSp>
+        <p:nvCxnSpPr>
+          <p:cNvPr id="17" name="直接箭头连接符 16"/>
+          <p:cNvCxnSpPr/>
+          <p:nvPr/>
+        </p:nvCxnSpPr>
+        <p:spPr>
+          <a:xfrm>
+            <a:off x="3161030" y="1737360"/>
+            <a:ext cx="1228725" cy="12065"/>
+          </a:xfrm>
+          <a:prstGeom prst="straightConnector1">
+            <a:avLst/>
+          </a:prstGeom>
+          <a:ln>
+            <a:tailEnd type="arrow" w="med" len="med"/>
+          </a:ln>
+        </p:spPr>
+        <p:style>
+          <a:lnRef idx="3">
+            <a:schemeClr val="accent6"/>
+          </a:lnRef>
+          <a:fillRef idx="0">
+            <a:schemeClr val="accent6"/>
+          </a:fillRef>
+          <a:effectRef idx="2">
+            <a:schemeClr val="accent6"/>
+          </a:effectRef>
+          <a:fontRef idx="minor">
+            <a:schemeClr val="tx1"/>
+          </a:fontRef>
+        </p:style>
+      </p:cxnSp>
+      <p:cxnSp>
+        <p:nvCxnSpPr>
+          <p:cNvPr id="18" name="直接箭头连接符 17"/>
+          <p:cNvCxnSpPr/>
+          <p:nvPr/>
+        </p:nvCxnSpPr>
+        <p:spPr>
+          <a:xfrm>
+            <a:off x="6165850" y="1749425"/>
+            <a:ext cx="1228725" cy="12065"/>
+          </a:xfrm>
+          <a:prstGeom prst="straightConnector1">
+            <a:avLst/>
+          </a:prstGeom>
+          <a:ln>
+            <a:tailEnd type="arrow" w="med" len="med"/>
+          </a:ln>
+        </p:spPr>
+        <p:style>
+          <a:lnRef idx="3">
+            <a:schemeClr val="accent6"/>
+          </a:lnRef>
+          <a:fillRef idx="0">
+            <a:schemeClr val="accent6"/>
+          </a:fillRef>
+          <a:effectRef idx="2">
+            <a:schemeClr val="accent6"/>
+          </a:effectRef>
+          <a:fontRef idx="minor">
+            <a:schemeClr val="tx1"/>
+          </a:fontRef>
+        </p:style>
+      </p:cxnSp>
+      <p:cxnSp>
+        <p:nvCxnSpPr>
+          <p:cNvPr id="19" name="直接箭头连接符 18"/>
+          <p:cNvCxnSpPr/>
+          <p:nvPr/>
+        </p:nvCxnSpPr>
+        <p:spPr>
+          <a:xfrm>
+            <a:off x="6171565" y="1443355"/>
+            <a:ext cx="1228725" cy="12065"/>
+          </a:xfrm>
+          <a:prstGeom prst="straightConnector1">
+            <a:avLst/>
+          </a:prstGeom>
+          <a:ln>
+            <a:headEnd type="arrow"/>
+            <a:tailEnd type="none" w="med" len="med"/>
+          </a:ln>
+        </p:spPr>
+        <p:style>
+          <a:lnRef idx="3">
+            <a:schemeClr val="accent5"/>
+          </a:lnRef>
+          <a:fillRef idx="0">
+            <a:schemeClr val="accent5"/>
+          </a:fillRef>
+          <a:effectRef idx="2">
+            <a:schemeClr val="accent5"/>
+          </a:effectRef>
+          <a:fontRef idx="minor">
+            <a:schemeClr val="tx1"/>
+          </a:fontRef>
+        </p:style>
+      </p:cxnSp>
+      <p:cxnSp>
+        <p:nvCxnSpPr>
+          <p:cNvPr id="20" name="直接箭头连接符 19"/>
+          <p:cNvCxnSpPr/>
+          <p:nvPr/>
+        </p:nvCxnSpPr>
+        <p:spPr>
+          <a:xfrm>
+            <a:off x="3161030" y="1455420"/>
+            <a:ext cx="1228725" cy="12065"/>
+          </a:xfrm>
+          <a:prstGeom prst="straightConnector1">
+            <a:avLst/>
+          </a:prstGeom>
+          <a:ln>
+            <a:headEnd type="arrow"/>
+            <a:tailEnd type="none" w="med" len="med"/>
+          </a:ln>
+        </p:spPr>
+        <p:style>
+          <a:lnRef idx="3">
+            <a:schemeClr val="accent5"/>
+          </a:lnRef>
+          <a:fillRef idx="0">
+            <a:schemeClr val="accent5"/>
+          </a:fillRef>
+          <a:effectRef idx="2">
+            <a:schemeClr val="accent5"/>
+          </a:effectRef>
+          <a:fontRef idx="minor">
+            <a:schemeClr val="tx1"/>
+          </a:fontRef>
+        </p:style>
+      </p:cxnSp>
+      <p:sp>
+        <p:nvSpPr>
+          <p:cNvPr id="21" name="文本框 20"/>
+          <p:cNvSpPr txBox="1"/>
+          <p:nvPr/>
+        </p:nvSpPr>
+        <p:spPr>
+          <a:xfrm>
+            <a:off x="6353810" y="3896995"/>
+            <a:ext cx="679450" cy="306705"/>
+          </a:xfrm>
+          <a:prstGeom prst="rect">
+            <a:avLst/>
+          </a:prstGeom>
+          <a:noFill/>
+        </p:spPr>
+        <p:txBody>
+          <a:bodyPr wrap="square" rtlCol="0">
+            <a:spAutoFit/>
+          </a:bodyPr>
+          <a:p>
+            <a:r>
+              <a:rPr lang="zh-CN" altLang="en-US" sz="1400"/>
+              <a:t>获取</a:t>
+            </a:r>
+            <a:endParaRPr lang="zh-CN" altLang="en-US" sz="1400"/>
+          </a:p>
+        </p:txBody>
+      </p:sp>
+    </p:spTree>
+    <p:custDataLst>
+      <p:tags r:id="rId1"/>
+    </p:custDataLst>
+  </p:cSld>
+  <p:clrMapOvr>
+    <a:masterClrMapping/>
+  </p:clrMapOvr>
+</p:sld>
+</file>
+
+<file path=ppt/slides/slide5.xml><?xml version="1.0" encoding="utf-8"?>
+<p:sld xmlns:a="http://schemas.openxmlformats.org/drawingml/2006/main" xmlns:r="http://schemas.openxmlformats.org/officeDocument/2006/relationships" xmlns:p="http://schemas.openxmlformats.org/presentationml/2006/main">
+  <p:cSld>
+    <p:bg>
+      <p:bgPr>
+        <a:solidFill>
+          <a:schemeClr val="bg1"/>
+        </a:solidFill>
+        <a:effectLst/>
+      </p:bgPr>
+    </p:bg>
+    <p:spTree>
+      <p:nvGrpSpPr>
+        <p:cNvPr id="1" name=""/>
+        <p:cNvGrpSpPr/>
+        <p:nvPr/>
+      </p:nvGrpSpPr>
+      <p:grpSpPr/>
+      <p:grpSp>
+        <p:nvGrpSpPr>
+          <p:cNvPr id="2" name="组合 1"/>
+          <p:cNvGrpSpPr/>
+          <p:nvPr/>
+        </p:nvGrpSpPr>
+        <p:grpSpPr>
+          <a:xfrm>
+            <a:off x="1358265" y="1198880"/>
+            <a:ext cx="7536815" cy="828675"/>
+            <a:chOff x="2139" y="1888"/>
+            <a:chExt cx="11869" cy="1305"/>
+          </a:xfrm>
+        </p:grpSpPr>
+        <p:sp>
+          <p:nvSpPr>
+            <p:cNvPr id="6" name="圆角矩形 5"/>
+            <p:cNvSpPr/>
+            <p:nvPr/>
+          </p:nvSpPr>
+          <p:spPr>
+            <a:xfrm>
+              <a:off x="2139" y="2181"/>
+              <a:ext cx="2717" cy="1013"/>
+            </a:xfrm>
+            <a:prstGeom prst="roundRect">
+              <a:avLst/>
+            </a:prstGeom>
+            <a:solidFill>
+              <a:schemeClr val="accent1">
+                <a:lumMod val="20000"/>
+                <a:lumOff val="80000"/>
+              </a:schemeClr>
+            </a:solidFill>
+            <a:ln w="28575" cmpd="sng">
+              <a:solidFill>
+                <a:schemeClr val="accent1">
+                  <a:shade val="50000"/>
+                </a:schemeClr>
+              </a:solidFill>
+              <a:prstDash val="solid"/>
+            </a:ln>
+          </p:spPr>
+          <p:style>
+            <a:lnRef idx="1">
+              <a:schemeClr val="accent1"/>
+            </a:lnRef>
+            <a:fillRef idx="2">
+              <a:schemeClr val="accent1"/>
+            </a:fillRef>
+            <a:effectRef idx="1">
+              <a:schemeClr val="accent1"/>
+            </a:effectRef>
+            <a:fontRef idx="minor">
+              <a:schemeClr val="dk1"/>
+            </a:fontRef>
+          </p:style>
+          <p:txBody>
+            <a:bodyPr rtlCol="0" anchor="ctr"/>
+            <a:p>
+              <a:pPr algn="ctr"/>
+              <a:r>
+                <a:rPr lang="en-US" altLang="zh-CN" b="1">
+                  <a:solidFill>
+                    <a:schemeClr val="accent1">
+                      <a:lumMod val="75000"/>
+                    </a:schemeClr>
+                  </a:solidFill>
+                  <a:latin typeface="微软雅黑" panose="020B0503020204020204" charset="-122"/>
+                  <a:ea typeface="微软雅黑" panose="020B0503020204020204" charset="-122"/>
+                </a:rPr>
+                <a:t>View</a:t>
+              </a:r>
+              <a:endParaRPr lang="en-US" altLang="zh-CN" b="1">
+                <a:solidFill>
+                  <a:schemeClr val="accent1">
+                    <a:lumMod val="75000"/>
+                  </a:schemeClr>
+                </a:solidFill>
+                <a:latin typeface="微软雅黑" panose="020B0503020204020204" charset="-122"/>
+                <a:ea typeface="微软雅黑" panose="020B0503020204020204" charset="-122"/>
+              </a:endParaRPr>
+            </a:p>
+          </p:txBody>
+        </p:sp>
+        <p:sp>
+          <p:nvSpPr>
+            <p:cNvPr id="8" name="圆角矩形 7"/>
+            <p:cNvSpPr/>
+            <p:nvPr/>
+          </p:nvSpPr>
+          <p:spPr>
+            <a:xfrm>
+              <a:off x="6930" y="2181"/>
+              <a:ext cx="2717" cy="1013"/>
+            </a:xfrm>
+            <a:prstGeom prst="roundRect">
+              <a:avLst/>
+            </a:prstGeom>
+            <a:solidFill>
+              <a:schemeClr val="accent1">
+                <a:lumMod val="20000"/>
+                <a:lumOff val="80000"/>
+              </a:schemeClr>
+            </a:solidFill>
+            <a:ln w="28575" cmpd="sng">
+              <a:solidFill>
+                <a:schemeClr val="accent1">
+                  <a:shade val="50000"/>
+                </a:schemeClr>
+              </a:solidFill>
+              <a:prstDash val="solid"/>
+            </a:ln>
+          </p:spPr>
+          <p:style>
+            <a:lnRef idx="1">
+              <a:schemeClr val="accent1"/>
+            </a:lnRef>
+            <a:fillRef idx="2">
+              <a:schemeClr val="accent1"/>
+            </a:fillRef>
+            <a:effectRef idx="1">
+              <a:schemeClr val="accent1"/>
+            </a:effectRef>
+            <a:fontRef idx="minor">
+              <a:schemeClr val="dk1"/>
+            </a:fontRef>
+          </p:style>
+          <p:txBody>
+            <a:bodyPr rtlCol="0" anchor="ctr"/>
+            <a:p>
+              <a:pPr algn="ctr"/>
+              <a:r>
+                <a:rPr lang="en-US" altLang="zh-CN" b="1">
+                  <a:solidFill>
+                    <a:schemeClr val="accent1">
+                      <a:lumMod val="75000"/>
+                    </a:schemeClr>
+                  </a:solidFill>
+                  <a:latin typeface="微软雅黑" panose="020B0503020204020204" charset="-122"/>
+                  <a:ea typeface="微软雅黑" panose="020B0503020204020204" charset="-122"/>
+                </a:rPr>
+                <a:t>ModelView</a:t>
+              </a:r>
+              <a:endParaRPr lang="en-US" altLang="zh-CN" b="1">
+                <a:solidFill>
+                  <a:schemeClr val="accent1">
+                    <a:lumMod val="75000"/>
+                  </a:schemeClr>
+                </a:solidFill>
+                <a:latin typeface="微软雅黑" panose="020B0503020204020204" charset="-122"/>
+                <a:ea typeface="微软雅黑" panose="020B0503020204020204" charset="-122"/>
+              </a:endParaRPr>
+            </a:p>
+          </p:txBody>
+        </p:sp>
+        <p:sp>
+          <p:nvSpPr>
+            <p:cNvPr id="9" name="圆角矩形 8"/>
+            <p:cNvSpPr/>
+            <p:nvPr/>
+          </p:nvSpPr>
+          <p:spPr>
+            <a:xfrm>
+              <a:off x="11292" y="2181"/>
+              <a:ext cx="2717" cy="1013"/>
+            </a:xfrm>
+            <a:prstGeom prst="roundRect">
+              <a:avLst/>
+            </a:prstGeom>
+            <a:solidFill>
+              <a:schemeClr val="accent1">
+                <a:lumMod val="20000"/>
+                <a:lumOff val="80000"/>
+              </a:schemeClr>
+            </a:solidFill>
+            <a:ln w="28575" cmpd="sng">
+              <a:solidFill>
+                <a:schemeClr val="accent1">
+                  <a:shade val="50000"/>
+                </a:schemeClr>
+              </a:solidFill>
+              <a:prstDash val="solid"/>
+            </a:ln>
+          </p:spPr>
+          <p:style>
+            <a:lnRef idx="1">
+              <a:schemeClr val="accent1"/>
+            </a:lnRef>
+            <a:fillRef idx="2">
+              <a:schemeClr val="accent1"/>
+            </a:fillRef>
+            <a:effectRef idx="1">
+              <a:schemeClr val="accent1"/>
+            </a:effectRef>
+            <a:fontRef idx="minor">
+              <a:schemeClr val="dk1"/>
+            </a:fontRef>
+          </p:style>
+          <p:txBody>
+            <a:bodyPr rtlCol="0" anchor="ctr"/>
+            <a:p>
+              <a:pPr algn="ctr"/>
+              <a:r>
+                <a:rPr lang="en-US" altLang="zh-CN" b="1">
+                  <a:solidFill>
+                    <a:schemeClr val="accent1">
+                      <a:lumMod val="75000"/>
+                    </a:schemeClr>
+                  </a:solidFill>
+                  <a:latin typeface="微软雅黑" panose="020B0503020204020204" charset="-122"/>
+                  <a:ea typeface="微软雅黑" panose="020B0503020204020204" charset="-122"/>
+                </a:rPr>
+                <a:t>Model</a:t>
+              </a:r>
+              <a:endParaRPr lang="en-US" altLang="zh-CN" b="1">
+                <a:solidFill>
+                  <a:schemeClr val="accent1">
+                    <a:lumMod val="75000"/>
+                  </a:schemeClr>
+                </a:solidFill>
+                <a:latin typeface="微软雅黑" panose="020B0503020204020204" charset="-122"/>
+                <a:ea typeface="微软雅黑" panose="020B0503020204020204" charset="-122"/>
+              </a:endParaRPr>
+            </a:p>
+          </p:txBody>
+        </p:sp>
+        <p:cxnSp>
+          <p:nvCxnSpPr>
+            <p:cNvPr id="10" name="直接箭头连接符 9"/>
+            <p:cNvCxnSpPr>
+              <a:stCxn id="6" idx="3"/>
+              <a:endCxn id="8" idx="1"/>
+            </p:cNvCxnSpPr>
+            <p:nvPr/>
+          </p:nvCxnSpPr>
+          <p:spPr>
+            <a:xfrm>
+              <a:off x="4856" y="2688"/>
+              <a:ext cx="2074" cy="0"/>
+            </a:xfrm>
+            <a:prstGeom prst="straightConnector1">
+              <a:avLst/>
+            </a:prstGeom>
+            <a:ln>
+              <a:headEnd type="arrow" w="med" len="med"/>
+              <a:tailEnd type="arrow" w="med" len="med"/>
+            </a:ln>
+          </p:spPr>
+          <p:style>
+            <a:lnRef idx="3">
+              <a:schemeClr val="accent6"/>
+            </a:lnRef>
+            <a:fillRef idx="0">
+              <a:schemeClr val="accent6"/>
+            </a:fillRef>
+            <a:effectRef idx="2">
+              <a:schemeClr val="accent6"/>
+            </a:effectRef>
+            <a:fontRef idx="minor">
+              <a:schemeClr val="tx1"/>
+            </a:fontRef>
+          </p:style>
+        </p:cxnSp>
+        <p:sp>
+          <p:nvSpPr>
+            <p:cNvPr id="11" name="文本框 10"/>
+            <p:cNvSpPr txBox="1"/>
+            <p:nvPr/>
+          </p:nvSpPr>
+          <p:spPr>
+            <a:xfrm>
+              <a:off x="4906" y="2038"/>
+              <a:ext cx="1973" cy="483"/>
+            </a:xfrm>
+            <a:prstGeom prst="rect">
+              <a:avLst/>
+            </a:prstGeom>
+            <a:noFill/>
+          </p:spPr>
+          <p:txBody>
+            <a:bodyPr wrap="square" rtlCol="0">
+              <a:spAutoFit/>
+            </a:bodyPr>
+            <a:p>
+              <a:r>
+                <a:rPr lang="zh-CN" altLang="en-US" sz="1400"/>
+                <a:t>数据双向绑定</a:t>
+              </a:r>
+              <a:endParaRPr lang="zh-CN" altLang="en-US" sz="1400"/>
+            </a:p>
+          </p:txBody>
+        </p:sp>
+        <p:cxnSp>
+          <p:nvCxnSpPr>
+            <p:cNvPr id="12" name="直接箭头连接符 11"/>
+            <p:cNvCxnSpPr/>
+            <p:nvPr/>
+          </p:nvCxnSpPr>
+          <p:spPr>
+            <a:xfrm>
+              <a:off x="9647" y="2521"/>
+              <a:ext cx="1644" cy="0"/>
+            </a:xfrm>
+            <a:prstGeom prst="straightConnector1">
+              <a:avLst/>
+            </a:prstGeom>
+            <a:ln>
+              <a:tailEnd type="arrow"/>
+            </a:ln>
+          </p:spPr>
+          <p:style>
+            <a:lnRef idx="1">
+              <a:schemeClr val="accent1"/>
+            </a:lnRef>
+            <a:fillRef idx="0">
+              <a:schemeClr val="accent1"/>
+            </a:fillRef>
+            <a:effectRef idx="0">
+              <a:schemeClr val="accent1"/>
+            </a:effectRef>
+            <a:fontRef idx="minor">
+              <a:schemeClr val="tx1"/>
+            </a:fontRef>
+          </p:style>
+        </p:cxnSp>
+        <p:cxnSp>
+          <p:nvCxnSpPr>
+            <p:cNvPr id="13" name="直接箭头连接符 12"/>
+            <p:cNvCxnSpPr/>
+            <p:nvPr/>
+          </p:nvCxnSpPr>
+          <p:spPr>
+            <a:xfrm flipH="1">
+              <a:off x="9647" y="2688"/>
+              <a:ext cx="1644" cy="0"/>
+            </a:xfrm>
+            <a:prstGeom prst="straightConnector1">
+              <a:avLst/>
+            </a:prstGeom>
+            <a:ln>
+              <a:tailEnd type="arrow"/>
+            </a:ln>
+          </p:spPr>
+          <p:style>
+            <a:lnRef idx="1">
+              <a:schemeClr val="accent1"/>
+            </a:lnRef>
+            <a:fillRef idx="0">
+              <a:schemeClr val="accent1"/>
+            </a:fillRef>
+            <a:effectRef idx="0">
+              <a:schemeClr val="accent1"/>
+            </a:effectRef>
+            <a:fontRef idx="minor">
+              <a:schemeClr val="tx1"/>
+            </a:fontRef>
+          </p:style>
+        </p:cxnSp>
+        <p:sp>
+          <p:nvSpPr>
+            <p:cNvPr id="14" name="文本框 13"/>
+            <p:cNvSpPr txBox="1"/>
+            <p:nvPr/>
+          </p:nvSpPr>
+          <p:spPr>
+            <a:xfrm>
+              <a:off x="9934" y="1888"/>
+              <a:ext cx="1070" cy="483"/>
+            </a:xfrm>
+            <a:prstGeom prst="rect">
+              <a:avLst/>
+            </a:prstGeom>
+            <a:noFill/>
+          </p:spPr>
+          <p:txBody>
+            <a:bodyPr wrap="square" rtlCol="0">
+              <a:spAutoFit/>
+            </a:bodyPr>
+            <a:p>
+              <a:r>
+                <a:rPr lang="zh-CN" altLang="en-US" sz="1400"/>
+                <a:t>跟新</a:t>
+              </a:r>
+              <a:endParaRPr lang="zh-CN" altLang="en-US" sz="1400"/>
+            </a:p>
+          </p:txBody>
+        </p:sp>
+        <p:sp>
+          <p:nvSpPr>
+            <p:cNvPr id="21" name="文本框 20"/>
+            <p:cNvSpPr txBox="1"/>
+            <p:nvPr/>
+          </p:nvSpPr>
+          <p:spPr>
+            <a:xfrm>
+              <a:off x="9934" y="2711"/>
+              <a:ext cx="1070" cy="483"/>
+            </a:xfrm>
+            <a:prstGeom prst="rect">
+              <a:avLst/>
+            </a:prstGeom>
+            <a:noFill/>
+          </p:spPr>
+          <p:txBody>
+            <a:bodyPr wrap="square" rtlCol="0">
+              <a:spAutoFit/>
+            </a:bodyPr>
+            <a:p>
+              <a:r>
+                <a:rPr lang="zh-CN" altLang="en-US" sz="1400"/>
+                <a:t>获取</a:t>
+              </a:r>
+              <a:endParaRPr lang="zh-CN" altLang="en-US" sz="1400"/>
+            </a:p>
+          </p:txBody>
+        </p:sp>
+      </p:grpSp>
+      <p:sp>
+        <p:nvSpPr>
+          <p:cNvPr id="3" name="圆角矩形 2"/>
+          <p:cNvSpPr/>
+          <p:nvPr/>
+        </p:nvSpPr>
+        <p:spPr>
+          <a:xfrm>
+            <a:off x="1175385" y="3354705"/>
+            <a:ext cx="2091690" cy="643255"/>
+          </a:xfrm>
+          <a:prstGeom prst="roundRect">
+            <a:avLst/>
+          </a:prstGeom>
+          <a:solidFill>
+            <a:schemeClr val="accent1">
+              <a:lumMod val="20000"/>
+              <a:lumOff val="80000"/>
+            </a:schemeClr>
+          </a:solidFill>
+          <a:ln w="28575" cmpd="sng">
+            <a:solidFill>
+              <a:schemeClr val="accent1">
+                <a:shade val="50000"/>
+              </a:schemeClr>
+            </a:solidFill>
+            <a:prstDash val="solid"/>
+          </a:ln>
+        </p:spPr>
+        <p:style>
+          <a:lnRef idx="1">
+            <a:schemeClr val="accent1"/>
+          </a:lnRef>
+          <a:fillRef idx="2">
+            <a:schemeClr val="accent1"/>
+          </a:fillRef>
+          <a:effectRef idx="1">
+            <a:schemeClr val="accent1"/>
+          </a:effectRef>
+          <a:fontRef idx="minor">
+            <a:schemeClr val="dk1"/>
+          </a:fontRef>
+        </p:style>
+        <p:txBody>
+          <a:bodyPr rtlCol="0" anchor="ctr"/>
+          <a:p>
+            <a:pPr algn="ctr"/>
+            <a:r>
+              <a:rPr lang="en-US" altLang="zh-CN" b="1">
+                <a:solidFill>
+                  <a:schemeClr val="accent1">
+                    <a:lumMod val="75000"/>
+                  </a:schemeClr>
+                </a:solidFill>
+                <a:latin typeface="微软雅黑" panose="020B0503020204020204" charset="-122"/>
+                <a:ea typeface="微软雅黑" panose="020B0503020204020204" charset="-122"/>
+              </a:rPr>
+              <a:t>Vue</a:t>
+            </a:r>
+            <a:r>
+              <a:rPr lang="zh-CN" altLang="en-US" b="1">
+                <a:solidFill>
+                  <a:schemeClr val="accent1">
+                    <a:lumMod val="75000"/>
+                  </a:schemeClr>
+                </a:solidFill>
+                <a:latin typeface="微软雅黑" panose="020B0503020204020204" charset="-122"/>
+                <a:ea typeface="微软雅黑" panose="020B0503020204020204" charset="-122"/>
+              </a:rPr>
+              <a:t>模板和样式</a:t>
+            </a:r>
+            <a:endParaRPr lang="zh-CN" altLang="en-US" b="1">
+              <a:solidFill>
+                <a:schemeClr val="accent1">
+                  <a:lumMod val="75000"/>
+                </a:schemeClr>
+              </a:solidFill>
+              <a:latin typeface="微软雅黑" panose="020B0503020204020204" charset="-122"/>
+              <a:ea typeface="微软雅黑" panose="020B0503020204020204" charset="-122"/>
+            </a:endParaRPr>
+          </a:p>
+        </p:txBody>
+      </p:sp>
+      <p:sp>
+        <p:nvSpPr>
+          <p:cNvPr id="15" name="圆角矩形 14"/>
+          <p:cNvSpPr/>
+          <p:nvPr/>
+        </p:nvSpPr>
+        <p:spPr>
+          <a:xfrm>
+            <a:off x="4400550" y="3354705"/>
+            <a:ext cx="1775460" cy="643255"/>
+          </a:xfrm>
+          <a:prstGeom prst="roundRect">
+            <a:avLst/>
+          </a:prstGeom>
+          <a:solidFill>
+            <a:schemeClr val="accent1">
+              <a:lumMod val="20000"/>
+              <a:lumOff val="80000"/>
+            </a:schemeClr>
+          </a:solidFill>
+          <a:ln w="28575" cmpd="sng">
+            <a:solidFill>
+              <a:schemeClr val="accent1">
+                <a:shade val="50000"/>
+              </a:schemeClr>
+            </a:solidFill>
+            <a:prstDash val="solid"/>
+          </a:ln>
+        </p:spPr>
+        <p:style>
+          <a:lnRef idx="1">
+            <a:schemeClr val="accent1"/>
+          </a:lnRef>
+          <a:fillRef idx="2">
+            <a:schemeClr val="accent1"/>
+          </a:fillRef>
+          <a:effectRef idx="1">
+            <a:schemeClr val="accent1"/>
+          </a:effectRef>
+          <a:fontRef idx="minor">
+            <a:schemeClr val="dk1"/>
+          </a:fontRef>
+        </p:style>
+        <p:txBody>
+          <a:bodyPr rtlCol="0" anchor="ctr"/>
+          <a:p>
+            <a:pPr algn="ctr"/>
+            <a:r>
+              <a:rPr lang="zh-CN" altLang="en-US" b="1">
+                <a:solidFill>
+                  <a:schemeClr val="accent1">
+                    <a:lumMod val="75000"/>
+                  </a:schemeClr>
+                </a:solidFill>
+                <a:latin typeface="微软雅黑" panose="020B0503020204020204" charset="-122"/>
+                <a:ea typeface="微软雅黑" panose="020B0503020204020204" charset="-122"/>
+              </a:rPr>
+              <a:t>组件实例</a:t>
+            </a:r>
+            <a:endParaRPr lang="zh-CN" altLang="en-US" b="1">
+              <a:solidFill>
+                <a:schemeClr val="accent1">
+                  <a:lumMod val="75000"/>
+                </a:schemeClr>
+              </a:solidFill>
+              <a:latin typeface="微软雅黑" panose="020B0503020204020204" charset="-122"/>
+              <a:ea typeface="微软雅黑" panose="020B0503020204020204" charset="-122"/>
+            </a:endParaRPr>
+          </a:p>
+        </p:txBody>
+      </p:sp>
+      <p:sp>
+        <p:nvSpPr>
+          <p:cNvPr id="16" name="圆角矩形 15"/>
+          <p:cNvSpPr/>
+          <p:nvPr/>
+        </p:nvSpPr>
+        <p:spPr>
+          <a:xfrm>
+            <a:off x="7016750" y="3354705"/>
+            <a:ext cx="2091055" cy="643255"/>
+          </a:xfrm>
+          <a:prstGeom prst="roundRect">
+            <a:avLst/>
+          </a:prstGeom>
+          <a:solidFill>
+            <a:schemeClr val="accent1">
+              <a:lumMod val="20000"/>
+              <a:lumOff val="80000"/>
+            </a:schemeClr>
+          </a:solidFill>
+          <a:ln w="28575" cmpd="sng">
+            <a:solidFill>
+              <a:schemeClr val="accent1">
+                <a:shade val="50000"/>
+              </a:schemeClr>
+            </a:solidFill>
+            <a:prstDash val="solid"/>
+          </a:ln>
+        </p:spPr>
+        <p:style>
+          <a:lnRef idx="1">
+            <a:schemeClr val="accent1"/>
+          </a:lnRef>
+          <a:fillRef idx="2">
+            <a:schemeClr val="accent1"/>
+          </a:fillRef>
+          <a:effectRef idx="1">
+            <a:schemeClr val="accent1"/>
+          </a:effectRef>
+          <a:fontRef idx="minor">
+            <a:schemeClr val="dk1"/>
+          </a:fontRef>
+        </p:style>
+        <p:txBody>
+          <a:bodyPr rtlCol="0" anchor="ctr"/>
+          <a:p>
+            <a:pPr algn="ctr"/>
+            <a:r>
+              <a:rPr lang="en-US" altLang="zh-CN" b="1">
+                <a:solidFill>
+                  <a:schemeClr val="accent1">
+                    <a:lumMod val="75000"/>
+                  </a:schemeClr>
+                </a:solidFill>
+                <a:latin typeface="微软雅黑" panose="020B0503020204020204" charset="-122"/>
+                <a:ea typeface="微软雅黑" panose="020B0503020204020204" charset="-122"/>
+              </a:rPr>
+              <a:t>data</a:t>
+            </a:r>
+            <a:r>
+              <a:rPr lang="zh-CN" altLang="en-US" b="1">
+                <a:solidFill>
+                  <a:schemeClr val="accent1">
+                    <a:lumMod val="75000"/>
+                  </a:schemeClr>
+                </a:solidFill>
+                <a:latin typeface="微软雅黑" panose="020B0503020204020204" charset="-122"/>
+                <a:ea typeface="微软雅黑" panose="020B0503020204020204" charset="-122"/>
+              </a:rPr>
+              <a:t>属性 </a:t>
+            </a:r>
+            <a:r>
+              <a:rPr lang="en-US" altLang="zh-CN" b="1">
+                <a:solidFill>
+                  <a:schemeClr val="accent1">
+                    <a:lumMod val="75000"/>
+                  </a:schemeClr>
+                </a:solidFill>
+                <a:latin typeface="微软雅黑" panose="020B0503020204020204" charset="-122"/>
+                <a:ea typeface="微软雅黑" panose="020B0503020204020204" charset="-122"/>
+              </a:rPr>
+              <a:t>/ Vuex</a:t>
+            </a:r>
+            <a:r>
+              <a:rPr lang="en-US" altLang="zh-CN" b="1">
+                <a:solidFill>
+                  <a:schemeClr val="accent1">
+                    <a:lumMod val="75000"/>
+                  </a:schemeClr>
+                </a:solidFill>
+                <a:latin typeface="微软雅黑" panose="020B0503020204020204" charset="-122"/>
+                <a:ea typeface="微软雅黑" panose="020B0503020204020204" charset="-122"/>
+              </a:rPr>
+              <a:t> </a:t>
+            </a:r>
+            <a:endParaRPr lang="en-US" altLang="zh-CN" b="1">
+              <a:solidFill>
+                <a:schemeClr val="accent1">
+                  <a:lumMod val="75000"/>
+                </a:schemeClr>
+              </a:solidFill>
+              <a:latin typeface="微软雅黑" panose="020B0503020204020204" charset="-122"/>
+              <a:ea typeface="微软雅黑" panose="020B0503020204020204" charset="-122"/>
+            </a:endParaRPr>
+          </a:p>
+        </p:txBody>
+      </p:sp>
+      <p:cxnSp>
+        <p:nvCxnSpPr>
+          <p:cNvPr id="23" name="曲线连接符 22"/>
+          <p:cNvCxnSpPr>
+            <a:stCxn id="6" idx="2"/>
+            <a:endCxn id="3" idx="0"/>
+          </p:cNvCxnSpPr>
+          <p:nvPr/>
+        </p:nvCxnSpPr>
+        <p:spPr>
+          <a:xfrm rot="5400000">
+            <a:off x="1558290" y="2691130"/>
+            <a:ext cx="1326515" cy="3175"/>
+          </a:xfrm>
+          <a:prstGeom prst="curvedConnector2">
+            <a:avLst/>
+          </a:prstGeom>
+          <a:ln>
+            <a:prstDash val="lgDash"/>
+            <a:tailEnd type="arrow" w="med" len="med"/>
+          </a:ln>
+        </p:spPr>
+        <p:style>
+          <a:lnRef idx="3">
+            <a:schemeClr val="accent6"/>
+          </a:lnRef>
+          <a:fillRef idx="0">
+            <a:schemeClr val="accent6"/>
+          </a:fillRef>
+          <a:effectRef idx="2">
+            <a:schemeClr val="accent6"/>
+          </a:effectRef>
+          <a:fontRef idx="minor">
+            <a:schemeClr val="tx1"/>
+          </a:fontRef>
+        </p:style>
+      </p:cxnSp>
+      <p:cxnSp>
+        <p:nvCxnSpPr>
+          <p:cNvPr id="24" name="直接箭头连接符 23"/>
+          <p:cNvCxnSpPr>
+            <a:stCxn id="8" idx="2"/>
+            <a:endCxn id="15" idx="0"/>
+          </p:cNvCxnSpPr>
+          <p:nvPr/>
+        </p:nvCxnSpPr>
+        <p:spPr>
+          <a:xfrm>
+            <a:off x="5263515" y="2028190"/>
+            <a:ext cx="24765" cy="1326515"/>
+          </a:xfrm>
+          <a:prstGeom prst="straightConnector1">
+            <a:avLst/>
+          </a:prstGeom>
+          <a:ln>
+            <a:prstDash val="dash"/>
+            <a:tailEnd type="arrow" w="med" len="med"/>
+          </a:ln>
+        </p:spPr>
+        <p:style>
+          <a:lnRef idx="3">
+            <a:schemeClr val="accent6"/>
+          </a:lnRef>
+          <a:fillRef idx="0">
+            <a:schemeClr val="accent6"/>
+          </a:fillRef>
+          <a:effectRef idx="2">
+            <a:schemeClr val="accent6"/>
+          </a:effectRef>
+          <a:fontRef idx="minor">
+            <a:schemeClr val="tx1"/>
+          </a:fontRef>
+        </p:style>
+      </p:cxnSp>
+      <p:cxnSp>
+        <p:nvCxnSpPr>
+          <p:cNvPr id="25" name="直接箭头连接符 24"/>
+          <p:cNvCxnSpPr>
+            <a:stCxn id="9" idx="2"/>
+            <a:endCxn id="16" idx="0"/>
+          </p:cNvCxnSpPr>
+          <p:nvPr/>
+        </p:nvCxnSpPr>
+        <p:spPr>
+          <a:xfrm>
+            <a:off x="8033385" y="2028190"/>
+            <a:ext cx="29210" cy="1326515"/>
+          </a:xfrm>
+          <a:prstGeom prst="straightConnector1">
+            <a:avLst/>
+          </a:prstGeom>
+          <a:ln>
+            <a:prstDash val="dash"/>
+            <a:tailEnd type="arrow" w="med" len="med"/>
+          </a:ln>
+        </p:spPr>
+        <p:style>
+          <a:lnRef idx="3">
+            <a:schemeClr val="accent6"/>
+          </a:lnRef>
+          <a:fillRef idx="0">
+            <a:schemeClr val="accent6"/>
+          </a:fillRef>
+          <a:effectRef idx="2">
+            <a:schemeClr val="accent6"/>
+          </a:effectRef>
+          <a:fontRef idx="minor">
+            <a:schemeClr val="tx1"/>
+          </a:fontRef>
+        </p:style>
+      </p:cxnSp>
+      <p:sp>
+        <p:nvSpPr>
+          <p:cNvPr id="26" name="文本框 25"/>
+          <p:cNvSpPr txBox="1"/>
+          <p:nvPr/>
+        </p:nvSpPr>
+        <p:spPr>
+          <a:xfrm>
+            <a:off x="3083560" y="2506980"/>
+            <a:ext cx="2315210" cy="368300"/>
+          </a:xfrm>
+          <a:prstGeom prst="rect">
+            <a:avLst/>
+          </a:prstGeom>
+          <a:noFill/>
+        </p:spPr>
+        <p:txBody>
+          <a:bodyPr wrap="square" rtlCol="0">
+            <a:spAutoFit/>
+          </a:bodyPr>
+          <a:p>
+            <a:r>
+              <a:rPr lang="zh-CN" altLang="en-US"/>
+              <a:t>转换成</a:t>
+            </a:r>
+            <a:r>
+              <a:rPr lang="en-US" altLang="zh-CN"/>
+              <a:t>VUE</a:t>
+            </a:r>
+            <a:r>
+              <a:rPr lang="zh-CN" altLang="en-US"/>
+              <a:t>视角</a:t>
+            </a:r>
+            <a:endParaRPr lang="zh-CN" altLang="en-US"/>
+          </a:p>
+        </p:txBody>
+      </p:sp>
+    </p:spTree>
+    <p:custDataLst>
+      <p:tags r:id="rId1"/>
+    </p:custDataLst>
+  </p:cSld>
+  <p:clrMapOvr>
+    <a:masterClrMapping/>
+  </p:clrMapOvr>
+</p:sld>
+</file>
+
+<file path=ppt/slides/slide6.xml><?xml version="1.0" encoding="utf-8"?>
+<p:sld xmlns:a="http://schemas.openxmlformats.org/drawingml/2006/main" xmlns:r="http://schemas.openxmlformats.org/officeDocument/2006/relationships" xmlns:p="http://schemas.openxmlformats.org/presentationml/2006/main">
+  <p:cSld>
+    <p:bg>
+      <p:bgPr>
+        <a:solidFill>
+          <a:schemeClr val="bg1"/>
+        </a:solidFill>
+        <a:effectLst/>
+      </p:bgPr>
+    </p:bg>
+    <p:spTree>
+      <p:nvGrpSpPr>
+        <p:cNvPr id="1" name=""/>
+        <p:cNvGrpSpPr/>
+        <p:nvPr/>
+      </p:nvGrpSpPr>
+      <p:grpSpPr/>
+      <p:grpSp>
+        <p:nvGrpSpPr>
+          <p:cNvPr id="16" name="组合 15"/>
+          <p:cNvGrpSpPr/>
+          <p:nvPr/>
+        </p:nvGrpSpPr>
+        <p:grpSpPr>
+          <a:xfrm>
+            <a:off x="1771015" y="1245235"/>
+            <a:ext cx="7536815" cy="828675"/>
+            <a:chOff x="2879" y="1997"/>
+            <a:chExt cx="11869" cy="1305"/>
+          </a:xfrm>
+        </p:grpSpPr>
+        <p:sp>
+          <p:nvSpPr>
+            <p:cNvPr id="6" name="圆角矩形 5"/>
+            <p:cNvSpPr/>
+            <p:nvPr/>
+          </p:nvSpPr>
+          <p:spPr>
+            <a:xfrm>
+              <a:off x="2879" y="2290"/>
+              <a:ext cx="2717" cy="1013"/>
+            </a:xfrm>
+            <a:prstGeom prst="roundRect">
+              <a:avLst/>
+            </a:prstGeom>
+            <a:solidFill>
+              <a:schemeClr val="accent1">
+                <a:lumMod val="20000"/>
+                <a:lumOff val="80000"/>
+              </a:schemeClr>
+            </a:solidFill>
+            <a:ln w="28575" cmpd="sng">
+              <a:solidFill>
+                <a:schemeClr val="accent1">
+                  <a:shade val="50000"/>
+                </a:schemeClr>
+              </a:solidFill>
+              <a:prstDash val="solid"/>
+            </a:ln>
+          </p:spPr>
+          <p:style>
+            <a:lnRef idx="1">
+              <a:schemeClr val="accent1"/>
+            </a:lnRef>
+            <a:fillRef idx="2">
+              <a:schemeClr val="accent1"/>
+            </a:fillRef>
+            <a:effectRef idx="1">
+              <a:schemeClr val="accent1"/>
+            </a:effectRef>
+            <a:fontRef idx="minor">
+              <a:schemeClr val="dk1"/>
+            </a:fontRef>
+          </p:style>
+          <p:txBody>
+            <a:bodyPr rtlCol="0" anchor="ctr"/>
+            <a:p>
+              <a:pPr algn="ctr"/>
+              <a:r>
+                <a:rPr lang="en-US" altLang="zh-CN" b="1">
+                  <a:solidFill>
+                    <a:schemeClr val="accent1">
+                      <a:lumMod val="75000"/>
+                    </a:schemeClr>
+                  </a:solidFill>
+                  <a:latin typeface="微软雅黑" panose="020B0503020204020204" charset="-122"/>
+                  <a:ea typeface="微软雅黑" panose="020B0503020204020204" charset="-122"/>
+                </a:rPr>
+                <a:t>View</a:t>
+              </a:r>
+              <a:endParaRPr lang="en-US" altLang="zh-CN" b="1">
+                <a:solidFill>
+                  <a:schemeClr val="accent1">
+                    <a:lumMod val="75000"/>
+                  </a:schemeClr>
+                </a:solidFill>
+                <a:latin typeface="微软雅黑" panose="020B0503020204020204" charset="-122"/>
+                <a:ea typeface="微软雅黑" panose="020B0503020204020204" charset="-122"/>
+              </a:endParaRPr>
+            </a:p>
+          </p:txBody>
+        </p:sp>
+        <p:sp>
+          <p:nvSpPr>
+            <p:cNvPr id="8" name="圆角矩形 7"/>
+            <p:cNvSpPr/>
+            <p:nvPr/>
+          </p:nvSpPr>
+          <p:spPr>
+            <a:xfrm>
+              <a:off x="7670" y="2290"/>
+              <a:ext cx="2717" cy="1013"/>
+            </a:xfrm>
+            <a:prstGeom prst="roundRect">
+              <a:avLst/>
+            </a:prstGeom>
+            <a:solidFill>
+              <a:schemeClr val="accent1">
+                <a:lumMod val="20000"/>
+                <a:lumOff val="80000"/>
+              </a:schemeClr>
+            </a:solidFill>
+            <a:ln w="28575" cmpd="sng">
+              <a:solidFill>
+                <a:schemeClr val="accent1">
+                  <a:shade val="50000"/>
+                </a:schemeClr>
+              </a:solidFill>
+              <a:prstDash val="solid"/>
+            </a:ln>
+          </p:spPr>
+          <p:style>
+            <a:lnRef idx="1">
+              <a:schemeClr val="accent1"/>
+            </a:lnRef>
+            <a:fillRef idx="2">
+              <a:schemeClr val="accent1"/>
+            </a:fillRef>
+            <a:effectRef idx="1">
+              <a:schemeClr val="accent1"/>
+            </a:effectRef>
+            <a:fontRef idx="minor">
+              <a:schemeClr val="dk1"/>
+            </a:fontRef>
+          </p:style>
+          <p:txBody>
+            <a:bodyPr rtlCol="0" anchor="ctr"/>
+            <a:p>
+              <a:pPr algn="ctr"/>
+              <a:r>
+                <a:rPr lang="en-US" altLang="zh-CN" b="1">
+                  <a:solidFill>
+                    <a:schemeClr val="accent1">
+                      <a:lumMod val="75000"/>
+                    </a:schemeClr>
+                  </a:solidFill>
+                  <a:latin typeface="微软雅黑" panose="020B0503020204020204" charset="-122"/>
+                  <a:ea typeface="微软雅黑" panose="020B0503020204020204" charset="-122"/>
+                </a:rPr>
+                <a:t>ModelView</a:t>
+              </a:r>
+              <a:endParaRPr lang="en-US" altLang="zh-CN" b="1">
+                <a:solidFill>
+                  <a:schemeClr val="accent1">
+                    <a:lumMod val="75000"/>
+                  </a:schemeClr>
+                </a:solidFill>
+                <a:latin typeface="微软雅黑" panose="020B0503020204020204" charset="-122"/>
+                <a:ea typeface="微软雅黑" panose="020B0503020204020204" charset="-122"/>
+              </a:endParaRPr>
+            </a:p>
+          </p:txBody>
+        </p:sp>
+        <p:sp>
+          <p:nvSpPr>
+            <p:cNvPr id="9" name="圆角矩形 8"/>
+            <p:cNvSpPr/>
+            <p:nvPr/>
+          </p:nvSpPr>
+          <p:spPr>
+            <a:xfrm>
+              <a:off x="12032" y="2290"/>
+              <a:ext cx="2717" cy="1013"/>
+            </a:xfrm>
+            <a:prstGeom prst="roundRect">
+              <a:avLst/>
+            </a:prstGeom>
+            <a:solidFill>
+              <a:schemeClr val="accent1">
+                <a:lumMod val="20000"/>
+                <a:lumOff val="80000"/>
+              </a:schemeClr>
+            </a:solidFill>
+            <a:ln w="28575" cmpd="sng">
+              <a:solidFill>
+                <a:schemeClr val="accent1">
+                  <a:shade val="50000"/>
+                </a:schemeClr>
+              </a:solidFill>
+              <a:prstDash val="solid"/>
+            </a:ln>
+          </p:spPr>
+          <p:style>
+            <a:lnRef idx="1">
+              <a:schemeClr val="accent1"/>
+            </a:lnRef>
+            <a:fillRef idx="2">
+              <a:schemeClr val="accent1"/>
+            </a:fillRef>
+            <a:effectRef idx="1">
+              <a:schemeClr val="accent1"/>
+            </a:effectRef>
+            <a:fontRef idx="minor">
+              <a:schemeClr val="dk1"/>
+            </a:fontRef>
+          </p:style>
+          <p:txBody>
+            <a:bodyPr rtlCol="0" anchor="ctr"/>
+            <a:p>
+              <a:pPr algn="ctr"/>
+              <a:r>
+                <a:rPr lang="en-US" altLang="zh-CN" b="1">
+                  <a:solidFill>
+                    <a:schemeClr val="accent1">
+                      <a:lumMod val="75000"/>
+                    </a:schemeClr>
+                  </a:solidFill>
+                  <a:latin typeface="微软雅黑" panose="020B0503020204020204" charset="-122"/>
+                  <a:ea typeface="微软雅黑" panose="020B0503020204020204" charset="-122"/>
+                </a:rPr>
+                <a:t>Model</a:t>
+              </a:r>
+              <a:endParaRPr lang="en-US" altLang="zh-CN" b="1">
+                <a:solidFill>
+                  <a:schemeClr val="accent1">
+                    <a:lumMod val="75000"/>
+                  </a:schemeClr>
+                </a:solidFill>
+                <a:latin typeface="微软雅黑" panose="020B0503020204020204" charset="-122"/>
+                <a:ea typeface="微软雅黑" panose="020B0503020204020204" charset="-122"/>
+              </a:endParaRPr>
+            </a:p>
+          </p:txBody>
+        </p:sp>
+        <p:cxnSp>
+          <p:nvCxnSpPr>
+            <p:cNvPr id="10" name="直接箭头连接符 9"/>
+            <p:cNvCxnSpPr>
+              <a:stCxn id="6" idx="3"/>
+              <a:endCxn id="8" idx="1"/>
+            </p:cNvCxnSpPr>
+            <p:nvPr/>
+          </p:nvCxnSpPr>
+          <p:spPr>
+            <a:xfrm>
+              <a:off x="5596" y="2797"/>
+              <a:ext cx="2074" cy="0"/>
+            </a:xfrm>
+            <a:prstGeom prst="straightConnector1">
+              <a:avLst/>
+            </a:prstGeom>
+            <a:ln>
+              <a:headEnd type="arrow" w="med" len="med"/>
+              <a:tailEnd type="arrow" w="med" len="med"/>
+            </a:ln>
+          </p:spPr>
+          <p:style>
+            <a:lnRef idx="3">
+              <a:schemeClr val="accent6"/>
+            </a:lnRef>
+            <a:fillRef idx="0">
+              <a:schemeClr val="accent6"/>
+            </a:fillRef>
+            <a:effectRef idx="2">
+              <a:schemeClr val="accent6"/>
+            </a:effectRef>
+            <a:fontRef idx="minor">
+              <a:schemeClr val="tx1"/>
+            </a:fontRef>
+          </p:style>
+        </p:cxnSp>
+        <p:sp>
+          <p:nvSpPr>
+            <p:cNvPr id="11" name="文本框 10"/>
+            <p:cNvSpPr txBox="1"/>
+            <p:nvPr/>
+          </p:nvSpPr>
+          <p:spPr>
+            <a:xfrm>
+              <a:off x="5646" y="2147"/>
+              <a:ext cx="1973" cy="483"/>
+            </a:xfrm>
+            <a:prstGeom prst="rect">
+              <a:avLst/>
+            </a:prstGeom>
+            <a:noFill/>
+          </p:spPr>
+          <p:txBody>
+            <a:bodyPr wrap="square" rtlCol="0">
+              <a:spAutoFit/>
+            </a:bodyPr>
+            <a:p>
+              <a:r>
+                <a:rPr lang="zh-CN" altLang="en-US" sz="1400"/>
+                <a:t>数据双向绑定</a:t>
+              </a:r>
+              <a:endParaRPr lang="zh-CN" altLang="en-US" sz="1400"/>
+            </a:p>
+          </p:txBody>
+        </p:sp>
+        <p:cxnSp>
+          <p:nvCxnSpPr>
+            <p:cNvPr id="12" name="直接箭头连接符 11"/>
+            <p:cNvCxnSpPr/>
+            <p:nvPr/>
+          </p:nvCxnSpPr>
+          <p:spPr>
+            <a:xfrm>
+              <a:off x="10387" y="2630"/>
+              <a:ext cx="1644" cy="0"/>
+            </a:xfrm>
+            <a:prstGeom prst="straightConnector1">
+              <a:avLst/>
+            </a:prstGeom>
+            <a:ln>
+              <a:tailEnd type="arrow"/>
+            </a:ln>
+          </p:spPr>
+          <p:style>
+            <a:lnRef idx="1">
+              <a:schemeClr val="accent1"/>
+            </a:lnRef>
+            <a:fillRef idx="0">
+              <a:schemeClr val="accent1"/>
+            </a:fillRef>
+            <a:effectRef idx="0">
+              <a:schemeClr val="accent1"/>
+            </a:effectRef>
+            <a:fontRef idx="minor">
+              <a:schemeClr val="tx1"/>
+            </a:fontRef>
+          </p:style>
+        </p:cxnSp>
+        <p:cxnSp>
+          <p:nvCxnSpPr>
+            <p:cNvPr id="13" name="直接箭头连接符 12"/>
+            <p:cNvCxnSpPr/>
+            <p:nvPr/>
+          </p:nvCxnSpPr>
+          <p:spPr>
+            <a:xfrm flipH="1">
+              <a:off x="10387" y="2797"/>
+              <a:ext cx="1644" cy="0"/>
+            </a:xfrm>
+            <a:prstGeom prst="straightConnector1">
+              <a:avLst/>
+            </a:prstGeom>
+            <a:ln>
+              <a:tailEnd type="arrow"/>
+            </a:ln>
+          </p:spPr>
+          <p:style>
+            <a:lnRef idx="1">
+              <a:schemeClr val="accent1"/>
+            </a:lnRef>
+            <a:fillRef idx="0">
+              <a:schemeClr val="accent1"/>
+            </a:fillRef>
+            <a:effectRef idx="0">
+              <a:schemeClr val="accent1"/>
+            </a:effectRef>
+            <a:fontRef idx="minor">
+              <a:schemeClr val="tx1"/>
+            </a:fontRef>
+          </p:style>
+        </p:cxnSp>
+        <p:sp>
+          <p:nvSpPr>
+            <p:cNvPr id="14" name="文本框 13"/>
+            <p:cNvSpPr txBox="1"/>
+            <p:nvPr/>
+          </p:nvSpPr>
+          <p:spPr>
+            <a:xfrm>
+              <a:off x="10674" y="1997"/>
+              <a:ext cx="1070" cy="483"/>
+            </a:xfrm>
+            <a:prstGeom prst="rect">
+              <a:avLst/>
+            </a:prstGeom>
+            <a:noFill/>
+          </p:spPr>
+          <p:txBody>
+            <a:bodyPr wrap="square" rtlCol="0">
+              <a:spAutoFit/>
+            </a:bodyPr>
+            <a:p>
+              <a:r>
+                <a:rPr lang="zh-CN" altLang="en-US" sz="1400"/>
+                <a:t>跟新</a:t>
+              </a:r>
+              <a:endParaRPr lang="zh-CN" altLang="en-US" sz="1400"/>
+            </a:p>
+          </p:txBody>
+        </p:sp>
+        <p:sp>
+          <p:nvSpPr>
+            <p:cNvPr id="21" name="文本框 20"/>
+            <p:cNvSpPr txBox="1"/>
+            <p:nvPr/>
+          </p:nvSpPr>
+          <p:spPr>
+            <a:xfrm>
+              <a:off x="10674" y="2820"/>
+              <a:ext cx="1070" cy="483"/>
+            </a:xfrm>
+            <a:prstGeom prst="rect">
+              <a:avLst/>
+            </a:prstGeom>
+            <a:noFill/>
+          </p:spPr>
+          <p:txBody>
+            <a:bodyPr wrap="square" rtlCol="0">
+              <a:spAutoFit/>
+            </a:bodyPr>
+            <a:p>
+              <a:r>
+                <a:rPr lang="zh-CN" altLang="en-US" sz="1400"/>
+                <a:t>获取</a:t>
+              </a:r>
+              <a:endParaRPr lang="zh-CN" altLang="en-US" sz="1400"/>
+            </a:p>
+          </p:txBody>
+        </p:sp>
+      </p:grpSp>
+      <p:sp>
+        <p:nvSpPr>
+          <p:cNvPr id="22" name="下箭头 21"/>
+          <p:cNvSpPr/>
+          <p:nvPr/>
+        </p:nvSpPr>
+        <p:spPr>
+          <a:xfrm>
+            <a:off x="4008755" y="2176145"/>
+            <a:ext cx="290830" cy="601345"/>
+          </a:xfrm>
+          <a:prstGeom prst="downArrow">
+            <a:avLst/>
+          </a:prstGeom>
+        </p:spPr>
+        <p:style>
+          <a:lnRef idx="1">
+            <a:schemeClr val="accent6"/>
+          </a:lnRef>
+          <a:fillRef idx="2">
+            <a:schemeClr val="accent6"/>
+          </a:fillRef>
+          <a:effectRef idx="1">
+            <a:schemeClr val="accent6"/>
+          </a:effectRef>
+          <a:fontRef idx="minor">
+            <a:schemeClr val="dk1"/>
+          </a:fontRef>
+        </p:style>
+        <p:txBody>
+          <a:bodyPr rtlCol="0" anchor="ctr"/>
+          <a:p>
+            <a:pPr algn="ctr"/>
+            <a:endParaRPr lang="zh-CN" altLang="en-US"/>
+          </a:p>
+        </p:txBody>
+      </p:sp>
+      <p:sp>
+        <p:nvSpPr>
+          <p:cNvPr id="23" name="文本框 22"/>
+          <p:cNvSpPr txBox="1"/>
+          <p:nvPr/>
+        </p:nvSpPr>
+        <p:spPr>
+          <a:xfrm>
+            <a:off x="317500" y="3259455"/>
+            <a:ext cx="1453515" cy="368300"/>
+          </a:xfrm>
+          <a:prstGeom prst="rect">
+            <a:avLst/>
+          </a:prstGeom>
+          <a:noFill/>
+        </p:spPr>
+        <p:txBody>
+          <a:bodyPr wrap="square" rtlCol="0">
+            <a:spAutoFit/>
+          </a:bodyPr>
+          <a:p>
+            <a:r>
+              <a:rPr lang="zh-CN" altLang="en-US"/>
+              <a:t>响应式框架</a:t>
+            </a:r>
+            <a:endParaRPr lang="zh-CN" altLang="en-US"/>
+          </a:p>
+        </p:txBody>
+      </p:sp>
+      <p:pic>
+        <p:nvPicPr>
+          <p:cNvPr id="3" name="图片 2"/>
+          <p:cNvPicPr>
+            <a:picLocks noChangeAspect="1"/>
+          </p:cNvPicPr>
+          <p:nvPr/>
+        </p:nvPicPr>
+        <p:blipFill>
+          <a:blip r:embed="rId1"/>
+          <a:stretch>
+            <a:fillRect/>
+          </a:stretch>
+        </p:blipFill>
+        <p:spPr>
+          <a:xfrm>
+            <a:off x="2293620" y="3131820"/>
+            <a:ext cx="1628775" cy="457200"/>
+          </a:xfrm>
+          <a:prstGeom prst="rect">
+            <a:avLst/>
+          </a:prstGeom>
+        </p:spPr>
+      </p:pic>
+      <p:sp>
+        <p:nvSpPr>
+          <p:cNvPr id="26" name="下箭头 25"/>
+          <p:cNvSpPr/>
+          <p:nvPr/>
+        </p:nvSpPr>
+        <p:spPr>
+          <a:xfrm>
+            <a:off x="2982595" y="3785235"/>
+            <a:ext cx="248285" cy="368300"/>
+          </a:xfrm>
+          <a:prstGeom prst="downArrow">
+            <a:avLst/>
+          </a:prstGeom>
+        </p:spPr>
+        <p:style>
+          <a:lnRef idx="1">
+            <a:schemeClr val="accent6"/>
+          </a:lnRef>
+          <a:fillRef idx="2">
+            <a:schemeClr val="accent6"/>
+          </a:fillRef>
+          <a:effectRef idx="1">
+            <a:schemeClr val="accent6"/>
+          </a:effectRef>
+          <a:fontRef idx="minor">
+            <a:schemeClr val="dk1"/>
+          </a:fontRef>
+        </p:style>
+        <p:txBody>
+          <a:bodyPr rtlCol="0" anchor="ctr"/>
+          <a:p>
+            <a:pPr algn="ctr"/>
+            <a:endParaRPr lang="zh-CN" altLang="en-US"/>
+          </a:p>
+        </p:txBody>
+      </p:sp>
+      <p:pic>
+        <p:nvPicPr>
+          <p:cNvPr id="30" name="图片 29"/>
+          <p:cNvPicPr>
+            <a:picLocks noChangeAspect="1"/>
+          </p:cNvPicPr>
+          <p:nvPr/>
+        </p:nvPicPr>
+        <p:blipFill>
+          <a:blip r:embed="rId2"/>
+          <a:stretch>
+            <a:fillRect/>
+          </a:stretch>
+        </p:blipFill>
+        <p:spPr>
+          <a:xfrm>
+            <a:off x="5899785" y="3131820"/>
+            <a:ext cx="1162050" cy="428625"/>
+          </a:xfrm>
+          <a:prstGeom prst="rect">
+            <a:avLst/>
+          </a:prstGeom>
+        </p:spPr>
+      </p:pic>
+      <p:sp>
+        <p:nvSpPr>
+          <p:cNvPr id="31" name="下箭头 30"/>
+          <p:cNvSpPr/>
+          <p:nvPr/>
+        </p:nvSpPr>
+        <p:spPr>
+          <a:xfrm>
+            <a:off x="6356985" y="3785235"/>
+            <a:ext cx="248285" cy="368300"/>
+          </a:xfrm>
+          <a:prstGeom prst="downArrow">
+            <a:avLst/>
+          </a:prstGeom>
+        </p:spPr>
+        <p:style>
+          <a:lnRef idx="1">
+            <a:schemeClr val="accent6"/>
+          </a:lnRef>
+          <a:fillRef idx="2">
+            <a:schemeClr val="accent6"/>
+          </a:fillRef>
+          <a:effectRef idx="1">
+            <a:schemeClr val="accent6"/>
+          </a:effectRef>
+          <a:fontRef idx="minor">
+            <a:schemeClr val="dk1"/>
+          </a:fontRef>
+        </p:style>
+        <p:txBody>
+          <a:bodyPr rtlCol="0" anchor="ctr"/>
+          <a:p>
+            <a:pPr algn="ctr"/>
+            <a:endParaRPr lang="zh-CN" altLang="en-US"/>
+          </a:p>
+        </p:txBody>
+      </p:sp>
+    </p:spTree>
+    <p:custDataLst>
+      <p:tags r:id="rId3"/>
+    </p:custDataLst>
+  </p:cSld>
+  <p:clrMapOvr>
+    <a:masterClrMapping/>
+  </p:clrMapOvr>
+</p:sld>
+</file>
+
+<file path=ppt/slides/slide7.xml><?xml version="1.0" encoding="utf-8"?>
+<p:sld xmlns:a="http://schemas.openxmlformats.org/drawingml/2006/main" xmlns:r="http://schemas.openxmlformats.org/officeDocument/2006/relationships" xmlns:p="http://schemas.openxmlformats.org/presentationml/2006/main">
+  <p:cSld>
+    <p:bg>
+      <p:bgPr>
+        <a:solidFill>
+          <a:schemeClr val="bg1"/>
+        </a:solidFill>
+        <a:effectLst/>
+      </p:bgPr>
+    </p:bg>
+    <p:spTree>
+      <p:nvGrpSpPr>
+        <p:cNvPr id="1" name=""/>
+        <p:cNvGrpSpPr/>
+        <p:nvPr/>
+      </p:nvGrpSpPr>
+      <p:grpSpPr/>
+      <p:sp>
+        <p:nvSpPr>
+          <p:cNvPr id="4" name="圆角矩形 3"/>
+          <p:cNvSpPr/>
+          <p:nvPr/>
+        </p:nvSpPr>
+        <p:spPr>
+          <a:xfrm>
+            <a:off x="786765" y="4498340"/>
+            <a:ext cx="2312670" cy="643255"/>
+          </a:xfrm>
+          <a:prstGeom prst="roundRect">
+            <a:avLst/>
+          </a:prstGeom>
+          <a:solidFill>
+            <a:schemeClr val="accent1">
+              <a:lumMod val="20000"/>
+              <a:lumOff val="80000"/>
+            </a:schemeClr>
+          </a:solidFill>
+          <a:ln w="28575" cmpd="sng">
+            <a:solidFill>
+              <a:schemeClr val="accent1">
+                <a:shade val="50000"/>
+              </a:schemeClr>
+            </a:solidFill>
+            <a:prstDash val="solid"/>
+          </a:ln>
+        </p:spPr>
+        <p:style>
+          <a:lnRef idx="1">
+            <a:schemeClr val="accent1"/>
+          </a:lnRef>
+          <a:fillRef idx="2">
+            <a:schemeClr val="accent1"/>
+          </a:fillRef>
+          <a:effectRef idx="1">
+            <a:schemeClr val="accent1"/>
+          </a:effectRef>
+          <a:fontRef idx="minor">
+            <a:schemeClr val="dk1"/>
+          </a:fontRef>
+        </p:style>
+        <p:txBody>
+          <a:bodyPr rtlCol="0" anchor="ctr"/>
+          <a:p>
+            <a:pPr algn="ctr"/>
+            <a:r>
+              <a:rPr lang="en-US" altLang="zh-CN" b="1">
+                <a:solidFill>
+                  <a:schemeClr val="accent1">
+                    <a:lumMod val="75000"/>
+                  </a:schemeClr>
+                </a:solidFill>
+                <a:latin typeface="微软雅黑" panose="020B0503020204020204" charset="-122"/>
+                <a:ea typeface="微软雅黑" panose="020B0503020204020204" charset="-122"/>
+              </a:rPr>
+              <a:t>const list = []</a:t>
+            </a:r>
+            <a:endParaRPr lang="en-US" altLang="zh-CN" b="1">
+              <a:solidFill>
+                <a:schemeClr val="accent1">
+                  <a:lumMod val="75000"/>
+                </a:schemeClr>
+              </a:solidFill>
+              <a:latin typeface="微软雅黑" panose="020B0503020204020204" charset="-122"/>
+              <a:ea typeface="微软雅黑" panose="020B0503020204020204" charset="-122"/>
+            </a:endParaRPr>
+          </a:p>
+        </p:txBody>
+      </p:sp>
+      <p:sp>
+        <p:nvSpPr>
+          <p:cNvPr id="5" name="圆角矩形 4"/>
+          <p:cNvSpPr/>
+          <p:nvPr/>
+        </p:nvSpPr>
+        <p:spPr>
+          <a:xfrm>
+            <a:off x="925830" y="2086610"/>
+            <a:ext cx="2312670" cy="643255"/>
+          </a:xfrm>
+          <a:prstGeom prst="roundRect">
+            <a:avLst/>
+          </a:prstGeom>
+        </p:spPr>
+        <p:style>
+          <a:lnRef idx="3">
+            <a:schemeClr val="lt1"/>
+          </a:lnRef>
+          <a:fillRef idx="1">
+            <a:schemeClr val="accent1"/>
+          </a:fillRef>
+          <a:effectRef idx="1">
+            <a:schemeClr val="accent1"/>
+          </a:effectRef>
+          <a:fontRef idx="minor">
+            <a:schemeClr val="lt1"/>
+          </a:fontRef>
+        </p:style>
+        <p:txBody>
+          <a:bodyPr rtlCol="0" anchor="ctr"/>
+          <a:p>
+            <a:pPr algn="ctr"/>
+            <a:r>
+              <a:rPr lang="en-US" altLang="zh-CN" b="1">
+                <a:solidFill>
+                  <a:schemeClr val="bg1"/>
+                </a:solidFill>
+                <a:latin typeface="微软雅黑" panose="020B0503020204020204" charset="-122"/>
+                <a:ea typeface="微软雅黑" panose="020B0503020204020204" charset="-122"/>
+              </a:rPr>
+              <a:t>Array</a:t>
+            </a:r>
+            <a:r>
+              <a:rPr lang="zh-CN" altLang="en-US" b="1">
+                <a:solidFill>
+                  <a:schemeClr val="bg1"/>
+                </a:solidFill>
+                <a:latin typeface="微软雅黑" panose="020B0503020204020204" charset="-122"/>
+                <a:ea typeface="微软雅黑" panose="020B0503020204020204" charset="-122"/>
+              </a:rPr>
+              <a:t>构造函数</a:t>
+            </a:r>
+            <a:endParaRPr lang="zh-CN" altLang="en-US" b="1">
+              <a:solidFill>
+                <a:schemeClr val="bg1"/>
+              </a:solidFill>
+              <a:latin typeface="微软雅黑" panose="020B0503020204020204" charset="-122"/>
+              <a:ea typeface="微软雅黑" panose="020B0503020204020204" charset="-122"/>
+            </a:endParaRPr>
+          </a:p>
+        </p:txBody>
+      </p:sp>
+      <p:sp>
+        <p:nvSpPr>
+          <p:cNvPr id="7" name="圆角矩形 6"/>
+          <p:cNvSpPr/>
+          <p:nvPr/>
+        </p:nvSpPr>
+        <p:spPr>
+          <a:xfrm>
+            <a:off x="5113020" y="571500"/>
+            <a:ext cx="2312670" cy="643255"/>
+          </a:xfrm>
+          <a:prstGeom prst="roundRect">
+            <a:avLst/>
+          </a:prstGeom>
+        </p:spPr>
+        <p:style>
+          <a:lnRef idx="3">
+            <a:schemeClr val="lt1"/>
+          </a:lnRef>
+          <a:fillRef idx="1">
+            <a:schemeClr val="accent2"/>
+          </a:fillRef>
+          <a:effectRef idx="1">
+            <a:schemeClr val="accent2"/>
+          </a:effectRef>
+          <a:fontRef idx="minor">
+            <a:schemeClr val="lt1"/>
+          </a:fontRef>
+        </p:style>
+        <p:txBody>
+          <a:bodyPr rtlCol="0" anchor="ctr"/>
+          <a:p>
+            <a:pPr algn="ctr"/>
+            <a:r>
+              <a:rPr lang="en-US" altLang="zh-CN" b="1">
+                <a:solidFill>
+                  <a:schemeClr val="bg1"/>
+                </a:solidFill>
+                <a:latin typeface="微软雅黑" panose="020B0503020204020204" charset="-122"/>
+                <a:ea typeface="微软雅黑" panose="020B0503020204020204" charset="-122"/>
+              </a:rPr>
+              <a:t>Array.prototype</a:t>
+            </a:r>
+            <a:endParaRPr lang="en-US" altLang="zh-CN" b="1">
+              <a:solidFill>
+                <a:schemeClr val="bg1"/>
+              </a:solidFill>
+              <a:latin typeface="微软雅黑" panose="020B0503020204020204" charset="-122"/>
+              <a:ea typeface="微软雅黑" panose="020B0503020204020204" charset="-122"/>
+            </a:endParaRPr>
+          </a:p>
+        </p:txBody>
+      </p:sp>
+      <p:sp>
+        <p:nvSpPr>
+          <p:cNvPr id="18" name="椭圆 17"/>
+          <p:cNvSpPr/>
+          <p:nvPr/>
+        </p:nvSpPr>
+        <p:spPr>
+          <a:xfrm>
+            <a:off x="4114800" y="4347845"/>
+            <a:ext cx="1139825" cy="944245"/>
+          </a:xfrm>
+          <a:prstGeom prst="ellipse">
+            <a:avLst/>
+          </a:prstGeom>
+        </p:spPr>
+        <p:style>
+          <a:lnRef idx="2">
+            <a:schemeClr val="accent1">
+              <a:shade val="50000"/>
+            </a:schemeClr>
+          </a:lnRef>
+          <a:fillRef idx="1">
+            <a:schemeClr val="accent1"/>
+          </a:fillRef>
+          <a:effectRef idx="0">
+            <a:schemeClr val="accent1"/>
+          </a:effectRef>
+          <a:fontRef idx="minor">
+            <a:schemeClr val="lt1"/>
+          </a:fontRef>
+        </p:style>
+        <p:txBody>
+          <a:bodyPr rtlCol="0" anchor="ctr"/>
+          <a:p>
+            <a:pPr algn="ctr"/>
+            <a:r>
+              <a:rPr lang="en-US" altLang="zh-CN" sz="1000">
+                <a:latin typeface="微软雅黑" panose="020B0503020204020204" charset="-122"/>
+                <a:ea typeface="微软雅黑" panose="020B0503020204020204" charset="-122"/>
+              </a:rPr>
+              <a:t>__proto__</a:t>
+            </a:r>
+            <a:endParaRPr lang="en-US" altLang="zh-CN" sz="1000"/>
+          </a:p>
+        </p:txBody>
+      </p:sp>
+      <p:sp>
+        <p:nvSpPr>
+          <p:cNvPr id="19" name="圆角矩形 18"/>
+          <p:cNvSpPr/>
+          <p:nvPr/>
+        </p:nvSpPr>
+        <p:spPr>
+          <a:xfrm>
+            <a:off x="6209030" y="2729865"/>
+            <a:ext cx="2312670" cy="752475"/>
+          </a:xfrm>
+          <a:prstGeom prst="roundRect">
+            <a:avLst/>
+          </a:prstGeom>
+        </p:spPr>
+        <p:style>
+          <a:lnRef idx="3">
+            <a:schemeClr val="lt1"/>
+          </a:lnRef>
+          <a:fillRef idx="1">
+            <a:schemeClr val="accent1"/>
+          </a:fillRef>
+          <a:effectRef idx="1">
+            <a:schemeClr val="accent1"/>
+          </a:effectRef>
+          <a:fontRef idx="minor">
+            <a:schemeClr val="lt1"/>
+          </a:fontRef>
+        </p:style>
+        <p:txBody>
+          <a:bodyPr rtlCol="0" anchor="ctr"/>
+          <a:p>
+            <a:pPr algn="ctr"/>
+            <a:r>
+              <a:rPr lang="zh-CN" altLang="en-US" b="1">
+                <a:solidFill>
+                  <a:schemeClr val="bg1"/>
+                </a:solidFill>
+                <a:latin typeface="微软雅黑" panose="020B0503020204020204" charset="-122"/>
+                <a:ea typeface="微软雅黑" panose="020B0503020204020204" charset="-122"/>
+              </a:rPr>
+              <a:t>拦截器</a:t>
+            </a:r>
+            <a:endParaRPr lang="zh-CN" altLang="en-US" b="1">
+              <a:solidFill>
+                <a:schemeClr val="bg1"/>
+              </a:solidFill>
+              <a:latin typeface="微软雅黑" panose="020B0503020204020204" charset="-122"/>
+              <a:ea typeface="微软雅黑" panose="020B0503020204020204" charset="-122"/>
+            </a:endParaRPr>
+          </a:p>
+          <a:p>
+            <a:pPr algn="ctr"/>
+            <a:r>
+              <a:rPr lang="zh-CN" altLang="en-US" b="1">
+                <a:solidFill>
+                  <a:schemeClr val="bg1"/>
+                </a:solidFill>
+                <a:latin typeface="微软雅黑" panose="020B0503020204020204" charset="-122"/>
+                <a:ea typeface="微软雅黑" panose="020B0503020204020204" charset="-122"/>
+              </a:rPr>
+              <a:t>伪造原型</a:t>
+            </a:r>
+            <a:endParaRPr lang="zh-CN" altLang="en-US" b="1">
+              <a:solidFill>
+                <a:schemeClr val="bg1"/>
+              </a:solidFill>
+              <a:latin typeface="微软雅黑" panose="020B0503020204020204" charset="-122"/>
+              <a:ea typeface="微软雅黑" panose="020B0503020204020204" charset="-122"/>
+            </a:endParaRPr>
+          </a:p>
+        </p:txBody>
+      </p:sp>
+      <p:cxnSp>
+        <p:nvCxnSpPr>
+          <p:cNvPr id="20" name="曲线连接符 19"/>
+          <p:cNvCxnSpPr>
+            <a:stCxn id="5" idx="0"/>
+            <a:endCxn id="7" idx="1"/>
+          </p:cNvCxnSpPr>
+          <p:nvPr/>
+        </p:nvCxnSpPr>
+        <p:spPr>
+          <a:xfrm rot="16200000">
+            <a:off x="3000375" y="-25400"/>
+            <a:ext cx="1193165" cy="3030855"/>
+          </a:xfrm>
+          <a:prstGeom prst="curvedConnector2">
+            <a:avLst/>
+          </a:prstGeom>
+          <a:ln>
+            <a:prstDash val="dash"/>
+            <a:tailEnd type="arrow" w="med" len="med"/>
+          </a:ln>
+        </p:spPr>
+        <p:style>
+          <a:lnRef idx="3">
+            <a:schemeClr val="accent6"/>
+          </a:lnRef>
+          <a:fillRef idx="0">
+            <a:schemeClr val="accent6"/>
+          </a:fillRef>
+          <a:effectRef idx="2">
+            <a:schemeClr val="accent6"/>
+          </a:effectRef>
+          <a:fontRef idx="minor">
+            <a:schemeClr val="tx1"/>
+          </a:fontRef>
+        </p:style>
+      </p:cxnSp>
+      <p:cxnSp>
+        <p:nvCxnSpPr>
+          <p:cNvPr id="22" name="曲线连接符 21"/>
+          <p:cNvCxnSpPr>
+            <a:stCxn id="19" idx="0"/>
+            <a:endCxn id="7" idx="2"/>
+          </p:cNvCxnSpPr>
+          <p:nvPr/>
+        </p:nvCxnSpPr>
+        <p:spPr>
+          <a:xfrm rot="16200000" flipV="1">
+            <a:off x="6059805" y="1424305"/>
+            <a:ext cx="1515110" cy="1096010"/>
+          </a:xfrm>
+          <a:prstGeom prst="curvedConnector3">
+            <a:avLst>
+              <a:gd name="adj1" fmla="val 50000"/>
+            </a:avLst>
+          </a:prstGeom>
+          <a:ln>
+            <a:prstDash val="dash"/>
+            <a:tailEnd type="arrow" w="med" len="med"/>
+          </a:ln>
+        </p:spPr>
+        <p:style>
+          <a:lnRef idx="3">
+            <a:schemeClr val="accent6"/>
+          </a:lnRef>
+          <a:fillRef idx="0">
+            <a:schemeClr val="accent6"/>
+          </a:fillRef>
+          <a:effectRef idx="2">
+            <a:schemeClr val="accent6"/>
+          </a:effectRef>
+          <a:fontRef idx="minor">
+            <a:schemeClr val="tx1"/>
+          </a:fontRef>
+        </p:style>
+      </p:cxnSp>
+      <p:cxnSp>
+        <p:nvCxnSpPr>
+          <p:cNvPr id="28" name="直接箭头连接符 27"/>
+          <p:cNvCxnSpPr>
+            <a:stCxn id="4" idx="3"/>
+            <a:endCxn id="18" idx="2"/>
+          </p:cNvCxnSpPr>
+          <p:nvPr/>
+        </p:nvCxnSpPr>
+        <p:spPr>
+          <a:xfrm>
+            <a:off x="3099435" y="4820285"/>
+            <a:ext cx="1015365" cy="0"/>
+          </a:xfrm>
+          <a:prstGeom prst="straightConnector1">
+            <a:avLst/>
+          </a:prstGeom>
+          <a:ln>
+            <a:prstDash val="dash"/>
+            <a:tailEnd type="arrow" w="med" len="med"/>
+          </a:ln>
+        </p:spPr>
+        <p:style>
+          <a:lnRef idx="3">
+            <a:schemeClr val="accent6"/>
+          </a:lnRef>
+          <a:fillRef idx="0">
+            <a:schemeClr val="accent6"/>
+          </a:fillRef>
+          <a:effectRef idx="2">
+            <a:schemeClr val="accent6"/>
+          </a:effectRef>
+          <a:fontRef idx="minor">
+            <a:schemeClr val="tx1"/>
+          </a:fontRef>
+        </p:style>
+      </p:cxnSp>
+      <p:cxnSp>
+        <p:nvCxnSpPr>
+          <p:cNvPr id="30" name="直接箭头连接符 29"/>
+          <p:cNvCxnSpPr>
+            <a:stCxn id="5" idx="2"/>
+            <a:endCxn id="4" idx="0"/>
+          </p:cNvCxnSpPr>
+          <p:nvPr/>
+        </p:nvCxnSpPr>
+        <p:spPr>
+          <a:xfrm flipH="1">
+            <a:off x="1943100" y="2729865"/>
+            <a:ext cx="139065" cy="1768475"/>
+          </a:xfrm>
+          <a:prstGeom prst="straightConnector1">
+            <a:avLst/>
+          </a:prstGeom>
+          <a:ln>
+            <a:prstDash val="dash"/>
+            <a:tailEnd type="arrow" w="med" len="med"/>
+          </a:ln>
+        </p:spPr>
+        <p:style>
+          <a:lnRef idx="3">
+            <a:schemeClr val="accent6"/>
+          </a:lnRef>
+          <a:fillRef idx="0">
+            <a:schemeClr val="accent6"/>
+          </a:fillRef>
+          <a:effectRef idx="2">
+            <a:schemeClr val="accent6"/>
+          </a:effectRef>
+          <a:fontRef idx="minor">
+            <a:schemeClr val="tx1"/>
+          </a:fontRef>
+        </p:style>
+      </p:cxnSp>
+      <p:cxnSp>
+        <p:nvCxnSpPr>
+          <p:cNvPr id="31" name="曲线连接符 30"/>
+          <p:cNvCxnSpPr>
+            <a:stCxn id="18" idx="0"/>
+            <a:endCxn id="19" idx="2"/>
+          </p:cNvCxnSpPr>
+          <p:nvPr/>
+        </p:nvCxnSpPr>
+        <p:spPr>
+          <a:xfrm rot="16200000">
+            <a:off x="5591810" y="2574925"/>
+            <a:ext cx="865505" cy="2680335"/>
+          </a:xfrm>
+          <a:prstGeom prst="curvedConnector3">
+            <a:avLst>
+              <a:gd name="adj1" fmla="val 49963"/>
+            </a:avLst>
+          </a:prstGeom>
+          <a:ln>
+            <a:prstDash val="dash"/>
+            <a:tailEnd type="arrow" w="med" len="med"/>
+          </a:ln>
+        </p:spPr>
+        <p:style>
+          <a:lnRef idx="3">
+            <a:schemeClr val="accent6"/>
+          </a:lnRef>
+          <a:fillRef idx="0">
+            <a:schemeClr val="accent6"/>
+          </a:fillRef>
+          <a:effectRef idx="2">
+            <a:schemeClr val="accent6"/>
+          </a:effectRef>
+          <a:fontRef idx="minor">
+            <a:schemeClr val="tx1"/>
+          </a:fontRef>
+        </p:style>
+      </p:cxnSp>
+      <p:cxnSp>
+        <p:nvCxnSpPr>
+          <p:cNvPr id="32" name="曲线连接符 31"/>
+          <p:cNvCxnSpPr>
+            <a:stCxn id="18" idx="5"/>
+            <a:endCxn id="19" idx="2"/>
+          </p:cNvCxnSpPr>
+          <p:nvPr/>
+        </p:nvCxnSpPr>
+        <p:spPr>
+          <a:xfrm rot="5400000" flipH="1" flipV="1">
+            <a:off x="5390515" y="3178810"/>
+            <a:ext cx="1671320" cy="2277745"/>
+          </a:xfrm>
+          <a:prstGeom prst="curvedConnector3">
+            <a:avLst>
+              <a:gd name="adj1" fmla="val -22511"/>
+            </a:avLst>
+          </a:prstGeom>
+          <a:ln>
+            <a:prstDash val="dash"/>
+            <a:tailEnd type="arrow" w="med" len="med"/>
+          </a:ln>
+        </p:spPr>
+        <p:style>
+          <a:lnRef idx="3">
+            <a:schemeClr val="accent6"/>
+          </a:lnRef>
+          <a:fillRef idx="0">
+            <a:schemeClr val="accent6"/>
+          </a:fillRef>
+          <a:effectRef idx="2">
+            <a:schemeClr val="accent6"/>
+          </a:effectRef>
+          <a:fontRef idx="minor">
+            <a:schemeClr val="tx1"/>
+          </a:fontRef>
+        </p:style>
+      </p:cxnSp>
+      <p:cxnSp>
+        <p:nvCxnSpPr>
+          <p:cNvPr id="33" name="曲线连接符 32"/>
+          <p:cNvCxnSpPr>
+            <a:stCxn id="18" idx="6"/>
+            <a:endCxn id="19" idx="2"/>
+          </p:cNvCxnSpPr>
+          <p:nvPr/>
+        </p:nvCxnSpPr>
+        <p:spPr>
+          <a:xfrm flipV="1">
+            <a:off x="5254625" y="3482340"/>
+            <a:ext cx="2110740" cy="1337945"/>
+          </a:xfrm>
+          <a:prstGeom prst="curvedConnector2">
+            <a:avLst/>
+          </a:prstGeom>
+          <a:ln>
+            <a:prstDash val="dash"/>
+            <a:tailEnd type="arrow" w="med" len="med"/>
+          </a:ln>
+        </p:spPr>
+        <p:style>
+          <a:lnRef idx="3">
+            <a:schemeClr val="accent6"/>
+          </a:lnRef>
+          <a:fillRef idx="0">
+            <a:schemeClr val="accent6"/>
+          </a:fillRef>
+          <a:effectRef idx="2">
+            <a:schemeClr val="accent6"/>
+          </a:effectRef>
+          <a:fontRef idx="minor">
+            <a:schemeClr val="tx1"/>
+          </a:fontRef>
+        </p:style>
+      </p:cxnSp>
+      <p:cxnSp>
+        <p:nvCxnSpPr>
+          <p:cNvPr id="34" name="曲线连接符 33"/>
+          <p:cNvCxnSpPr>
+            <a:stCxn id="18" idx="4"/>
+            <a:endCxn id="19" idx="2"/>
+          </p:cNvCxnSpPr>
+          <p:nvPr/>
+        </p:nvCxnSpPr>
+        <p:spPr>
+          <a:xfrm rot="5400000" flipH="1" flipV="1">
+            <a:off x="5120005" y="3046730"/>
+            <a:ext cx="1809750" cy="2680335"/>
+          </a:xfrm>
+          <a:prstGeom prst="curvedConnector3">
+            <a:avLst>
+              <a:gd name="adj1" fmla="val -45035"/>
+            </a:avLst>
+          </a:prstGeom>
+          <a:ln>
+            <a:prstDash val="dash"/>
+            <a:tailEnd type="arrow" w="med" len="med"/>
+          </a:ln>
+        </p:spPr>
+        <p:style>
+          <a:lnRef idx="3">
+            <a:schemeClr val="accent6"/>
+          </a:lnRef>
+          <a:fillRef idx="0">
+            <a:schemeClr val="accent6"/>
+          </a:fillRef>
+          <a:effectRef idx="2">
+            <a:schemeClr val="accent6"/>
+          </a:effectRef>
+          <a:fontRef idx="minor">
+            <a:schemeClr val="tx1"/>
+          </a:fontRef>
+        </p:style>
+      </p:cxnSp>
+      <p:sp>
+        <p:nvSpPr>
+          <p:cNvPr id="35" name="文本框 34"/>
+          <p:cNvSpPr txBox="1"/>
+          <p:nvPr/>
+        </p:nvSpPr>
+        <p:spPr>
+          <a:xfrm>
+            <a:off x="5024755" y="3717290"/>
+            <a:ext cx="1184275" cy="275590"/>
+          </a:xfrm>
+          <a:prstGeom prst="rect">
+            <a:avLst/>
+          </a:prstGeom>
+          <a:noFill/>
+        </p:spPr>
+        <p:txBody>
+          <a:bodyPr wrap="square" rtlCol="0">
+            <a:spAutoFit/>
+          </a:bodyPr>
+          <a:p>
+            <a:r>
+              <a:rPr lang="en-US" altLang="zh-CN" sz="1200">
+                <a:latin typeface="微软雅黑" panose="020B0503020204020204" charset="-122"/>
+                <a:ea typeface="微软雅黑" panose="020B0503020204020204" charset="-122"/>
+              </a:rPr>
+              <a:t>list.push</a:t>
+            </a:r>
+            <a:endParaRPr lang="en-US" altLang="zh-CN" sz="1200">
+              <a:latin typeface="微软雅黑" panose="020B0503020204020204" charset="-122"/>
+              <a:ea typeface="微软雅黑" panose="020B0503020204020204" charset="-122"/>
+            </a:endParaRPr>
+          </a:p>
+        </p:txBody>
+      </p:sp>
+      <p:sp>
+        <p:nvSpPr>
+          <p:cNvPr id="36" name="文本框 35"/>
+          <p:cNvSpPr txBox="1"/>
+          <p:nvPr/>
+        </p:nvSpPr>
+        <p:spPr>
+          <a:xfrm>
+            <a:off x="5340985" y="4498340"/>
+            <a:ext cx="1184275" cy="275590"/>
+          </a:xfrm>
+          <a:prstGeom prst="rect">
+            <a:avLst/>
+          </a:prstGeom>
+          <a:noFill/>
+        </p:spPr>
+        <p:txBody>
+          <a:bodyPr wrap="square" rtlCol="0">
+            <a:spAutoFit/>
+          </a:bodyPr>
+          <a:p>
+            <a:r>
+              <a:rPr lang="en-US" altLang="zh-CN" sz="1200">
+                <a:latin typeface="微软雅黑" panose="020B0503020204020204" charset="-122"/>
+                <a:ea typeface="微软雅黑" panose="020B0503020204020204" charset="-122"/>
+              </a:rPr>
+              <a:t>list.pop</a:t>
+            </a:r>
+            <a:endParaRPr lang="en-US" altLang="zh-CN" sz="1200">
+              <a:latin typeface="微软雅黑" panose="020B0503020204020204" charset="-122"/>
+              <a:ea typeface="微软雅黑" panose="020B0503020204020204" charset="-122"/>
+            </a:endParaRPr>
+          </a:p>
+        </p:txBody>
+      </p:sp>
+      <p:sp>
+        <p:nvSpPr>
+          <p:cNvPr id="37" name="文本框 36"/>
+          <p:cNvSpPr txBox="1"/>
+          <p:nvPr/>
+        </p:nvSpPr>
+        <p:spPr>
+          <a:xfrm>
+            <a:off x="5433060" y="5141595"/>
+            <a:ext cx="1184275" cy="275590"/>
+          </a:xfrm>
+          <a:prstGeom prst="rect">
+            <a:avLst/>
+          </a:prstGeom>
+          <a:noFill/>
+        </p:spPr>
+        <p:txBody>
+          <a:bodyPr wrap="square" rtlCol="0">
+            <a:spAutoFit/>
+          </a:bodyPr>
+          <a:p>
+            <a:r>
+              <a:rPr lang="en-US" altLang="zh-CN" sz="1200">
+                <a:latin typeface="微软雅黑" panose="020B0503020204020204" charset="-122"/>
+                <a:ea typeface="微软雅黑" panose="020B0503020204020204" charset="-122"/>
+              </a:rPr>
+              <a:t>list.splice</a:t>
+            </a:r>
+            <a:endParaRPr lang="en-US" altLang="zh-CN" sz="1200">
+              <a:latin typeface="微软雅黑" panose="020B0503020204020204" charset="-122"/>
+              <a:ea typeface="微软雅黑" panose="020B0503020204020204" charset="-122"/>
+            </a:endParaRPr>
+          </a:p>
+        </p:txBody>
+      </p:sp>
+      <p:sp>
+        <p:nvSpPr>
+          <p:cNvPr id="38" name="文本框 37"/>
+          <p:cNvSpPr txBox="1"/>
+          <p:nvPr/>
+        </p:nvSpPr>
+        <p:spPr>
+          <a:xfrm>
+            <a:off x="5858510" y="6054725"/>
+            <a:ext cx="666750" cy="275590"/>
+          </a:xfrm>
+          <a:prstGeom prst="rect">
+            <a:avLst/>
+          </a:prstGeom>
+          <a:noFill/>
+        </p:spPr>
+        <p:txBody>
+          <a:bodyPr wrap="square" rtlCol="0">
+            <a:spAutoFit/>
+          </a:bodyPr>
+          <a:p>
+            <a:r>
+              <a:rPr lang="en-US" altLang="zh-CN" sz="1200">
+                <a:latin typeface="微软雅黑" panose="020B0503020204020204" charset="-122"/>
+                <a:ea typeface="微软雅黑" panose="020B0503020204020204" charset="-122"/>
+              </a:rPr>
+              <a:t>……</a:t>
+            </a:r>
+            <a:endParaRPr lang="en-US" altLang="zh-CN" sz="1200">
+              <a:latin typeface="微软雅黑" panose="020B0503020204020204" charset="-122"/>
+              <a:ea typeface="微软雅黑" panose="020B0503020204020204" charset="-122"/>
+            </a:endParaRPr>
           </a:p>
         </p:txBody>
       </p:sp>
@@ -8481,6 +11569,38 @@
 </p:tagLst>
 </file>
 
+<file path=ppt/tags/tag65.xml><?xml version="1.0" encoding="utf-8"?>
+<p:tagLst xmlns:p="http://schemas.openxmlformats.org/presentationml/2006/main">
+  <p:tag name="KSO_WM_BEAUTIFY_FLAG" val="#wm#"/>
+  <p:tag name="KSO_WM_TEMPLATE_CATEGORY" val="custom"/>
+  <p:tag name="KSO_WM_TEMPLATE_INDEX" val="20187308"/>
+</p:tagLst>
+</file>
+
+<file path=ppt/tags/tag66.xml><?xml version="1.0" encoding="utf-8"?>
+<p:tagLst xmlns:p="http://schemas.openxmlformats.org/presentationml/2006/main">
+  <p:tag name="KSO_WM_BEAUTIFY_FLAG" val="#wm#"/>
+  <p:tag name="KSO_WM_TEMPLATE_CATEGORY" val="custom"/>
+  <p:tag name="KSO_WM_TEMPLATE_INDEX" val="20187308"/>
+</p:tagLst>
+</file>
+
+<file path=ppt/tags/tag67.xml><?xml version="1.0" encoding="utf-8"?>
+<p:tagLst xmlns:p="http://schemas.openxmlformats.org/presentationml/2006/main">
+  <p:tag name="KSO_WM_BEAUTIFY_FLAG" val="#wm#"/>
+  <p:tag name="KSO_WM_TEMPLATE_CATEGORY" val="custom"/>
+  <p:tag name="KSO_WM_TEMPLATE_INDEX" val="20187308"/>
+</p:tagLst>
+</file>
+
+<file path=ppt/tags/tag68.xml><?xml version="1.0" encoding="utf-8"?>
+<p:tagLst xmlns:p="http://schemas.openxmlformats.org/presentationml/2006/main">
+  <p:tag name="KSO_WM_BEAUTIFY_FLAG" val="#wm#"/>
+  <p:tag name="KSO_WM_TEMPLATE_CATEGORY" val="custom"/>
+  <p:tag name="KSO_WM_TEMPLATE_INDEX" val="20187308"/>
+</p:tagLst>
+</file>
+
 <file path=ppt/tags/tag7.xml><?xml version="1.0" encoding="utf-8"?>
 <p:tagLst xmlns:p="http://schemas.openxmlformats.org/presentationml/2006/main">
   <p:tag name="KSO_WM_UNIT_HIGHLIGHT" val="0"/>

--- a/ppt/演示文稿1.pptx
+++ b/ppt/演示文稿1.pptx
@@ -8,16 +8,17 @@
     <p:notesMasterId r:id="rId4"/>
   </p:notesMasterIdLst>
   <p:handoutMasterIdLst>
-    <p:handoutMasterId r:id="rId11"/>
+    <p:handoutMasterId r:id="rId12"/>
   </p:handoutMasterIdLst>
   <p:sldIdLst>
     <p:sldId id="256" r:id="rId3"/>
     <p:sldId id="257" r:id="rId5"/>
     <p:sldId id="258" r:id="rId6"/>
-    <p:sldId id="259" r:id="rId7"/>
-    <p:sldId id="261" r:id="rId8"/>
-    <p:sldId id="260" r:id="rId9"/>
-    <p:sldId id="262" r:id="rId10"/>
+    <p:sldId id="264" r:id="rId7"/>
+    <p:sldId id="259" r:id="rId8"/>
+    <p:sldId id="261" r:id="rId9"/>
+    <p:sldId id="260" r:id="rId10"/>
+    <p:sldId id="262" r:id="rId11"/>
   </p:sldIdLst>
   <p:sldSz cx="12192000" cy="6858000"/>
   <p:notesSz cx="6858000" cy="9144000"/>
@@ -811,6 +812,84 @@
 </file>
 
 <file path=ppt/notesSlides/notesSlide3.xml><?xml version="1.0" encoding="utf-8"?>
+<p:notes xmlns:a="http://schemas.openxmlformats.org/drawingml/2006/main" xmlns:r="http://schemas.openxmlformats.org/officeDocument/2006/relationships" xmlns:p="http://schemas.openxmlformats.org/presentationml/2006/main">
+  <p:cSld>
+    <p:spTree>
+      <p:nvGrpSpPr>
+        <p:cNvPr id="1" name=""/>
+        <p:cNvGrpSpPr/>
+        <p:nvPr/>
+      </p:nvGrpSpPr>
+      <p:grpSpPr>
+        <a:xfrm>
+          <a:off x="0" y="0"/>
+          <a:ext cx="0" cy="0"/>
+          <a:chOff x="0" y="0"/>
+          <a:chExt cx="0" cy="0"/>
+        </a:xfrm>
+      </p:grpSpPr>
+      <p:sp>
+        <p:nvSpPr>
+          <p:cNvPr id="2" name="幻灯片图像占位符 1"/>
+          <p:cNvSpPr>
+            <a:spLocks noGrp="1" noRot="1" noChangeAspect="1"/>
+          </p:cNvSpPr>
+          <p:nvPr>
+            <p:ph type="sldImg"/>
+          </p:nvPr>
+        </p:nvSpPr>
+        <p:spPr/>
+      </p:sp>
+      <p:sp>
+        <p:nvSpPr>
+          <p:cNvPr id="3" name="备注占位符 2"/>
+          <p:cNvSpPr>
+            <a:spLocks noGrp="1"/>
+          </p:cNvSpPr>
+          <p:nvPr>
+            <p:ph type="body" idx="1"/>
+          </p:nvPr>
+        </p:nvSpPr>
+        <p:spPr/>
+        <p:txBody>
+          <a:bodyPr/>
+          <a:lstStyle/>
+          <a:p>
+            <a:endParaRPr lang="zh-CN" altLang="en-US"/>
+          </a:p>
+        </p:txBody>
+      </p:sp>
+      <p:sp>
+        <p:nvSpPr>
+          <p:cNvPr id="4" name="灯片编号占位符 3"/>
+          <p:cNvSpPr>
+            <a:spLocks noGrp="1"/>
+          </p:cNvSpPr>
+          <p:nvPr>
+            <p:ph type="sldNum" sz="quarter" idx="10"/>
+          </p:nvPr>
+        </p:nvSpPr>
+        <p:spPr/>
+        <p:txBody>
+          <a:bodyPr/>
+          <a:lstStyle/>
+          <a:p>
+            <a:fld id="{85D0DACE-38E0-42D2-9336-2B707D34BC6D}" type="slidenum">
+              <a:rPr lang="zh-CN" altLang="en-US" smtClean="0"/>
+            </a:fld>
+            <a:endParaRPr lang="zh-CN" altLang="en-US"/>
+          </a:p>
+        </p:txBody>
+      </p:sp>
+    </p:spTree>
+  </p:cSld>
+  <p:clrMapOvr>
+    <a:masterClrMapping/>
+  </p:clrMapOvr>
+</p:notes>
+</file>
+
+<file path=ppt/notesSlides/notesSlide4.xml><?xml version="1.0" encoding="utf-8"?>
 <p:notes xmlns:a="http://schemas.openxmlformats.org/drawingml/2006/main" xmlns:r="http://schemas.openxmlformats.org/officeDocument/2006/relationships" xmlns:p="http://schemas.openxmlformats.org/presentationml/2006/main">
   <p:cSld>
     <p:spTree>
@@ -7727,7 +7806,14 @@
         <p:cNvGrpSpPr/>
         <p:nvPr/>
       </p:nvGrpSpPr>
-      <p:grpSpPr/>
+      <p:grpSpPr>
+        <a:xfrm>
+          <a:off x="0" y="0"/>
+          <a:ext cx="0" cy="0"/>
+          <a:chOff x="0" y="0"/>
+          <a:chExt cx="0" cy="0"/>
+        </a:xfrm>
+      </p:grpSpPr>
       <p:sp>
         <p:nvSpPr>
           <p:cNvPr id="7" name="圆角矩形 6"/>
@@ -7736,7 +7822,7 @@
         </p:nvSpPr>
         <p:spPr>
           <a:xfrm>
-            <a:off x="1403985" y="1268730"/>
+            <a:off x="2927985" y="1396365"/>
             <a:ext cx="1725295" cy="643255"/>
           </a:xfrm>
           <a:prstGeom prst="roundRect">
@@ -7785,7 +7871,7 @@
                 <a:latin typeface="微软雅黑" panose="020B0503020204020204" charset="-122"/>
                 <a:ea typeface="微软雅黑" panose="020B0503020204020204" charset="-122"/>
               </a:rPr>
-              <a:t>View</a:t>
+              <a:t>Data</a:t>
             </a:r>
             <a:endParaRPr lang="en-US" altLang="zh-CN" b="1">
               <a:solidFill>
@@ -7801,13 +7887,1109 @@
       </p:sp>
       <p:sp>
         <p:nvSpPr>
-          <p:cNvPr id="4" name="圆角矩形 3"/>
+          <p:cNvPr id="12" name="椭圆 11"/>
           <p:cNvSpPr/>
           <p:nvPr/>
         </p:nvSpPr>
         <p:spPr>
           <a:xfrm>
-            <a:off x="4446270" y="1268730"/>
+            <a:off x="2745740" y="3366135"/>
+            <a:ext cx="1776095" cy="1561465"/>
+          </a:xfrm>
+          <a:prstGeom prst="ellipse">
+            <a:avLst/>
+          </a:prstGeom>
+        </p:spPr>
+        <p:style>
+          <a:lnRef idx="2">
+            <a:schemeClr val="accent1">
+              <a:shade val="50000"/>
+            </a:schemeClr>
+          </a:lnRef>
+          <a:fillRef idx="1">
+            <a:schemeClr val="accent1"/>
+          </a:fillRef>
+          <a:effectRef idx="0">
+            <a:schemeClr val="accent1"/>
+          </a:effectRef>
+          <a:fontRef idx="minor">
+            <a:schemeClr val="lt1"/>
+          </a:fontRef>
+        </p:style>
+        <p:txBody>
+          <a:bodyPr rtlCol="0" anchor="ctr"/>
+          <a:p>
+            <a:pPr algn="ctr"/>
+            <a:r>
+              <a:rPr lang="en-US" altLang="zh-CN"/>
+              <a:t>Watcher</a:t>
+            </a:r>
+            <a:endParaRPr lang="en-US" altLang="zh-CN"/>
+          </a:p>
+        </p:txBody>
+      </p:sp>
+      <p:sp>
+        <p:nvSpPr>
+          <p:cNvPr id="13" name="椭圆 12"/>
+          <p:cNvSpPr/>
+          <p:nvPr/>
+        </p:nvSpPr>
+        <p:spPr>
+          <a:xfrm>
+            <a:off x="5566410" y="4927600"/>
+            <a:ext cx="1058545" cy="868680"/>
+          </a:xfrm>
+          <a:prstGeom prst="ellipse">
+            <a:avLst/>
+          </a:prstGeom>
+        </p:spPr>
+        <p:style>
+          <a:lnRef idx="2">
+            <a:schemeClr val="accent1">
+              <a:shade val="50000"/>
+            </a:schemeClr>
+          </a:lnRef>
+          <a:fillRef idx="1">
+            <a:schemeClr val="accent1"/>
+          </a:fillRef>
+          <a:effectRef idx="0">
+            <a:schemeClr val="accent1"/>
+          </a:effectRef>
+          <a:fontRef idx="minor">
+            <a:schemeClr val="lt1"/>
+          </a:fontRef>
+        </p:style>
+        <p:txBody>
+          <a:bodyPr rtlCol="0" anchor="ctr"/>
+          <a:p>
+            <a:pPr algn="ctr"/>
+            <a:r>
+              <a:rPr lang="en-US" altLang="zh-CN"/>
+              <a:t>Dep</a:t>
+            </a:r>
+            <a:endParaRPr lang="en-US" altLang="zh-CN"/>
+          </a:p>
+        </p:txBody>
+      </p:sp>
+      <p:grpSp>
+        <p:nvGrpSpPr>
+          <p:cNvPr id="3" name="组合 2"/>
+          <p:cNvGrpSpPr/>
+          <p:nvPr/>
+        </p:nvGrpSpPr>
+        <p:grpSpPr>
+          <a:xfrm>
+            <a:off x="7739380" y="2039620"/>
+            <a:ext cx="1775460" cy="1560830"/>
+            <a:chOff x="12078" y="5301"/>
+            <a:chExt cx="2796" cy="2458"/>
+          </a:xfrm>
+        </p:grpSpPr>
+        <p:sp>
+          <p:nvSpPr>
+            <p:cNvPr id="11" name="椭圆 10"/>
+            <p:cNvSpPr/>
+            <p:nvPr/>
+          </p:nvSpPr>
+          <p:spPr>
+            <a:xfrm>
+              <a:off x="12078" y="5301"/>
+              <a:ext cx="2797" cy="2459"/>
+            </a:xfrm>
+            <a:prstGeom prst="ellipse">
+              <a:avLst/>
+            </a:prstGeom>
+          </p:spPr>
+          <p:style>
+            <a:lnRef idx="2">
+              <a:schemeClr val="accent1">
+                <a:shade val="50000"/>
+              </a:schemeClr>
+            </a:lnRef>
+            <a:fillRef idx="1">
+              <a:schemeClr val="accent1"/>
+            </a:fillRef>
+            <a:effectRef idx="0">
+              <a:schemeClr val="accent1"/>
+            </a:effectRef>
+            <a:fontRef idx="minor">
+              <a:schemeClr val="lt1"/>
+            </a:fontRef>
+          </p:style>
+          <p:txBody>
+            <a:bodyPr rtlCol="0" anchor="ctr"/>
+            <a:p>
+              <a:pPr algn="ctr"/>
+              <a:r>
+                <a:rPr lang="en-US" altLang="zh-CN"/>
+                <a:t>Data</a:t>
+              </a:r>
+              <a:endParaRPr lang="en-US" altLang="zh-CN"/>
+            </a:p>
+            <a:p>
+              <a:pPr algn="ctr"/>
+              <a:endParaRPr lang="en-US" altLang="zh-CN"/>
+            </a:p>
+            <a:p>
+              <a:pPr algn="ctr"/>
+              <a:endParaRPr lang="en-US" altLang="zh-CN"/>
+            </a:p>
+            <a:p>
+              <a:pPr algn="ctr"/>
+              <a:endParaRPr lang="en-US" altLang="zh-CN"/>
+            </a:p>
+          </p:txBody>
+        </p:sp>
+        <p:sp>
+          <p:nvSpPr>
+            <p:cNvPr id="14" name="圆角矩形 13"/>
+            <p:cNvSpPr/>
+            <p:nvPr/>
+          </p:nvSpPr>
+          <p:spPr>
+            <a:xfrm>
+              <a:off x="12732" y="6234"/>
+              <a:ext cx="1488" cy="535"/>
+            </a:xfrm>
+            <a:prstGeom prst="roundRect">
+              <a:avLst/>
+            </a:prstGeom>
+          </p:spPr>
+          <p:style>
+            <a:lnRef idx="3">
+              <a:schemeClr val="lt1"/>
+            </a:lnRef>
+            <a:fillRef idx="1">
+              <a:schemeClr val="accent6"/>
+            </a:fillRef>
+            <a:effectRef idx="1">
+              <a:schemeClr val="accent6"/>
+            </a:effectRef>
+            <a:fontRef idx="minor">
+              <a:schemeClr val="lt1"/>
+            </a:fontRef>
+          </p:style>
+          <p:txBody>
+            <a:bodyPr rtlCol="0" anchor="ctr"/>
+            <a:p>
+              <a:pPr algn="ctr"/>
+              <a:r>
+                <a:rPr lang="en-US" altLang="zh-CN"/>
+                <a:t>getter</a:t>
+              </a:r>
+              <a:endParaRPr lang="en-US" altLang="zh-CN"/>
+            </a:p>
+          </p:txBody>
+        </p:sp>
+        <p:sp>
+          <p:nvSpPr>
+            <p:cNvPr id="15" name="圆角矩形 14"/>
+            <p:cNvSpPr/>
+            <p:nvPr/>
+          </p:nvSpPr>
+          <p:spPr>
+            <a:xfrm>
+              <a:off x="12733" y="6936"/>
+              <a:ext cx="1488" cy="555"/>
+            </a:xfrm>
+            <a:prstGeom prst="roundRect">
+              <a:avLst/>
+            </a:prstGeom>
+          </p:spPr>
+          <p:style>
+            <a:lnRef idx="3">
+              <a:schemeClr val="lt1"/>
+            </a:lnRef>
+            <a:fillRef idx="1">
+              <a:schemeClr val="accent6"/>
+            </a:fillRef>
+            <a:effectRef idx="1">
+              <a:schemeClr val="accent6"/>
+            </a:effectRef>
+            <a:fontRef idx="minor">
+              <a:schemeClr val="lt1"/>
+            </a:fontRef>
+          </p:style>
+          <p:txBody>
+            <a:bodyPr rtlCol="0" anchor="ctr"/>
+            <a:p>
+              <a:pPr algn="ctr"/>
+              <a:r>
+                <a:rPr lang="en-US" altLang="zh-CN"/>
+                <a:t>setter</a:t>
+              </a:r>
+              <a:endParaRPr lang="en-US" altLang="zh-CN"/>
+            </a:p>
+          </p:txBody>
+        </p:sp>
+      </p:grpSp>
+      <p:cxnSp>
+        <p:nvCxnSpPr>
+          <p:cNvPr id="16" name="曲线连接符 15"/>
+          <p:cNvCxnSpPr>
+            <a:stCxn id="7" idx="3"/>
+            <a:endCxn id="2" idx="1"/>
+          </p:cNvCxnSpPr>
+          <p:nvPr/>
+        </p:nvCxnSpPr>
+        <p:spPr>
+          <a:xfrm flipV="1">
+            <a:off x="4653280" y="934085"/>
+            <a:ext cx="1285875" cy="784225"/>
+          </a:xfrm>
+          <a:prstGeom prst="curvedConnector3">
+            <a:avLst>
+              <a:gd name="adj1" fmla="val 50025"/>
+            </a:avLst>
+          </a:prstGeom>
+          <a:ln w="25400">
+            <a:prstDash val="dash"/>
+            <a:tailEnd type="arrow" w="med" len="med"/>
+          </a:ln>
+        </p:spPr>
+        <p:style>
+          <a:lnRef idx="3">
+            <a:schemeClr val="accent6"/>
+          </a:lnRef>
+          <a:fillRef idx="0">
+            <a:schemeClr val="accent6"/>
+          </a:fillRef>
+          <a:effectRef idx="2">
+            <a:schemeClr val="accent6"/>
+          </a:effectRef>
+          <a:fontRef idx="minor">
+            <a:schemeClr val="tx1"/>
+          </a:fontRef>
+        </p:style>
+      </p:cxnSp>
+      <p:cxnSp>
+        <p:nvCxnSpPr>
+          <p:cNvPr id="19" name="曲线连接符 18"/>
+          <p:cNvCxnSpPr>
+            <a:stCxn id="2" idx="3"/>
+            <a:endCxn id="11" idx="0"/>
+          </p:cNvCxnSpPr>
+          <p:nvPr/>
+        </p:nvCxnSpPr>
+        <p:spPr>
+          <a:xfrm>
+            <a:off x="7576820" y="934085"/>
+            <a:ext cx="1050925" cy="1105535"/>
+          </a:xfrm>
+          <a:prstGeom prst="curvedConnector2">
+            <a:avLst/>
+          </a:prstGeom>
+          <a:ln w="25400">
+            <a:solidFill>
+              <a:schemeClr val="accent6"/>
+            </a:solidFill>
+            <a:prstDash val="dash"/>
+            <a:tailEnd type="arrow"/>
+          </a:ln>
+        </p:spPr>
+        <p:style>
+          <a:lnRef idx="1">
+            <a:schemeClr val="accent1"/>
+          </a:lnRef>
+          <a:fillRef idx="0">
+            <a:schemeClr val="accent1"/>
+          </a:fillRef>
+          <a:effectRef idx="0">
+            <a:schemeClr val="accent1"/>
+          </a:effectRef>
+          <a:fontRef idx="minor">
+            <a:schemeClr val="tx1"/>
+          </a:fontRef>
+        </p:style>
+      </p:cxnSp>
+      <p:cxnSp>
+        <p:nvCxnSpPr>
+          <p:cNvPr id="20" name="曲线连接符 19"/>
+          <p:cNvCxnSpPr>
+            <a:stCxn id="11" idx="2"/>
+            <a:endCxn id="13" idx="7"/>
+          </p:cNvCxnSpPr>
+          <p:nvPr/>
+        </p:nvCxnSpPr>
+        <p:spPr>
+          <a:xfrm rot="10800000" flipV="1">
+            <a:off x="6470015" y="2820670"/>
+            <a:ext cx="1269365" cy="2233930"/>
+          </a:xfrm>
+          <a:prstGeom prst="curvedConnector2">
+            <a:avLst/>
+          </a:prstGeom>
+          <a:ln w="25400">
+            <a:solidFill>
+              <a:srgbClr val="0070C0"/>
+            </a:solidFill>
+            <a:prstDash val="dash"/>
+            <a:tailEnd type="arrow"/>
+          </a:ln>
+        </p:spPr>
+        <p:style>
+          <a:lnRef idx="1">
+            <a:schemeClr val="accent1"/>
+          </a:lnRef>
+          <a:fillRef idx="0">
+            <a:schemeClr val="accent1"/>
+          </a:fillRef>
+          <a:effectRef idx="0">
+            <a:schemeClr val="accent1"/>
+          </a:effectRef>
+          <a:fontRef idx="minor">
+            <a:schemeClr val="tx1"/>
+          </a:fontRef>
+        </p:style>
+      </p:cxnSp>
+      <p:cxnSp>
+        <p:nvCxnSpPr>
+          <p:cNvPr id="22" name="曲线连接符 21"/>
+          <p:cNvCxnSpPr>
+            <a:stCxn id="13" idx="2"/>
+            <a:endCxn id="12" idx="4"/>
+          </p:cNvCxnSpPr>
+          <p:nvPr/>
+        </p:nvCxnSpPr>
+        <p:spPr>
+          <a:xfrm rot="10800000">
+            <a:off x="3633470" y="4927600"/>
+            <a:ext cx="1932305" cy="434340"/>
+          </a:xfrm>
+          <a:prstGeom prst="curvedConnector2">
+            <a:avLst/>
+          </a:prstGeom>
+          <a:ln w="25400">
+            <a:solidFill>
+              <a:srgbClr val="7030A0"/>
+            </a:solidFill>
+            <a:prstDash val="dash"/>
+            <a:tailEnd type="arrow"/>
+          </a:ln>
+        </p:spPr>
+        <p:style>
+          <a:lnRef idx="1">
+            <a:schemeClr val="accent1"/>
+          </a:lnRef>
+          <a:fillRef idx="0">
+            <a:schemeClr val="accent1"/>
+          </a:fillRef>
+          <a:effectRef idx="0">
+            <a:schemeClr val="accent1"/>
+          </a:effectRef>
+          <a:fontRef idx="minor">
+            <a:schemeClr val="tx1"/>
+          </a:fontRef>
+        </p:style>
+      </p:cxnSp>
+      <p:sp>
+        <p:nvSpPr>
+          <p:cNvPr id="23" name="椭圆 22"/>
+          <p:cNvSpPr/>
+          <p:nvPr/>
+        </p:nvSpPr>
+        <p:spPr>
+          <a:xfrm>
+            <a:off x="313690" y="3535680"/>
+            <a:ext cx="1058545" cy="868680"/>
+          </a:xfrm>
+          <a:prstGeom prst="ellipse">
+            <a:avLst/>
+          </a:prstGeom>
+        </p:spPr>
+        <p:style>
+          <a:lnRef idx="3">
+            <a:schemeClr val="lt1"/>
+          </a:lnRef>
+          <a:fillRef idx="1">
+            <a:schemeClr val="accent4"/>
+          </a:fillRef>
+          <a:effectRef idx="1">
+            <a:schemeClr val="accent4"/>
+          </a:effectRef>
+          <a:fontRef idx="minor">
+            <a:schemeClr val="lt1"/>
+          </a:fontRef>
+        </p:style>
+        <p:txBody>
+          <a:bodyPr rtlCol="0" anchor="ctr"/>
+          <a:p>
+            <a:pPr algn="ctr"/>
+            <a:r>
+              <a:rPr lang="en-US" altLang="zh-CN" sz="1600"/>
+              <a:t>VIEW</a:t>
+            </a:r>
+            <a:endParaRPr lang="en-US" altLang="zh-CN" sz="1600"/>
+          </a:p>
+        </p:txBody>
+      </p:sp>
+      <p:cxnSp>
+        <p:nvCxnSpPr>
+          <p:cNvPr id="24" name="曲线连接符 23"/>
+          <p:cNvCxnSpPr>
+            <a:stCxn id="23" idx="7"/>
+            <a:endCxn id="12" idx="1"/>
+          </p:cNvCxnSpPr>
+          <p:nvPr/>
+        </p:nvCxnSpPr>
+        <p:spPr>
+          <a:xfrm rot="16200000">
+            <a:off x="2077085" y="2734310"/>
+            <a:ext cx="67945" cy="1788795"/>
+          </a:xfrm>
+          <a:prstGeom prst="curvedConnector3">
+            <a:avLst>
+              <a:gd name="adj1" fmla="val 786916"/>
+            </a:avLst>
+          </a:prstGeom>
+          <a:ln w="25400">
+            <a:solidFill>
+              <a:srgbClr val="0070C0"/>
+            </a:solidFill>
+            <a:prstDash val="dash"/>
+            <a:tailEnd type="arrow"/>
+          </a:ln>
+        </p:spPr>
+        <p:style>
+          <a:lnRef idx="1">
+            <a:schemeClr val="accent1"/>
+          </a:lnRef>
+          <a:fillRef idx="0">
+            <a:schemeClr val="accent1"/>
+          </a:fillRef>
+          <a:effectRef idx="0">
+            <a:schemeClr val="accent1"/>
+          </a:effectRef>
+          <a:fontRef idx="minor">
+            <a:schemeClr val="tx1"/>
+          </a:fontRef>
+        </p:style>
+      </p:cxnSp>
+      <p:cxnSp>
+        <p:nvCxnSpPr>
+          <p:cNvPr id="25" name="曲线连接符 24"/>
+          <p:cNvCxnSpPr>
+            <a:stCxn id="12" idx="3"/>
+            <a:endCxn id="23" idx="5"/>
+          </p:cNvCxnSpPr>
+          <p:nvPr/>
+        </p:nvCxnSpPr>
+        <p:spPr>
+          <a:xfrm rot="5400000" flipH="1">
+            <a:off x="1900555" y="3593465"/>
+            <a:ext cx="421640" cy="1788795"/>
+          </a:xfrm>
+          <a:prstGeom prst="curvedConnector3">
+            <a:avLst>
+              <a:gd name="adj1" fmla="val -110617"/>
+            </a:avLst>
+          </a:prstGeom>
+          <a:ln w="25400">
+            <a:solidFill>
+              <a:srgbClr val="7030A0"/>
+            </a:solidFill>
+            <a:prstDash val="dash"/>
+            <a:tailEnd type="arrow"/>
+          </a:ln>
+        </p:spPr>
+        <p:style>
+          <a:lnRef idx="1">
+            <a:schemeClr val="accent1"/>
+          </a:lnRef>
+          <a:fillRef idx="0">
+            <a:schemeClr val="accent1"/>
+          </a:fillRef>
+          <a:effectRef idx="0">
+            <a:schemeClr val="accent1"/>
+          </a:effectRef>
+          <a:fontRef idx="minor">
+            <a:schemeClr val="tx1"/>
+          </a:fontRef>
+        </p:style>
+      </p:cxnSp>
+      <p:sp>
+        <p:nvSpPr>
+          <p:cNvPr id="26" name="文本框 25"/>
+          <p:cNvSpPr txBox="1"/>
+          <p:nvPr/>
+        </p:nvSpPr>
+        <p:spPr>
+          <a:xfrm>
+            <a:off x="1788795" y="2787015"/>
+            <a:ext cx="956945" cy="306705"/>
+          </a:xfrm>
+          <a:prstGeom prst="rect">
+            <a:avLst/>
+          </a:prstGeom>
+          <a:noFill/>
+        </p:spPr>
+        <p:txBody>
+          <a:bodyPr wrap="square" rtlCol="0">
+            <a:spAutoFit/>
+          </a:bodyPr>
+          <a:p>
+            <a:r>
+              <a:rPr lang="zh-CN" altLang="en-US" sz="1400"/>
+              <a:t>读数据</a:t>
+            </a:r>
+            <a:endParaRPr lang="zh-CN" altLang="en-US" sz="1400"/>
+          </a:p>
+        </p:txBody>
+      </p:sp>
+      <p:sp>
+        <p:nvSpPr>
+          <p:cNvPr id="27" name="文本框 26"/>
+          <p:cNvSpPr txBox="1"/>
+          <p:nvPr/>
+        </p:nvSpPr>
+        <p:spPr>
+          <a:xfrm>
+            <a:off x="1632585" y="5208270"/>
+            <a:ext cx="956945" cy="306705"/>
+          </a:xfrm>
+          <a:prstGeom prst="rect">
+            <a:avLst/>
+          </a:prstGeom>
+          <a:noFill/>
+        </p:spPr>
+        <p:txBody>
+          <a:bodyPr wrap="square" rtlCol="0">
+            <a:spAutoFit/>
+          </a:bodyPr>
+          <a:p>
+            <a:r>
+              <a:rPr lang="zh-CN" altLang="en-US" sz="1400"/>
+              <a:t>通知外界</a:t>
+            </a:r>
+            <a:endParaRPr lang="zh-CN" altLang="en-US" sz="1400"/>
+          </a:p>
+        </p:txBody>
+      </p:sp>
+      <p:sp>
+        <p:nvSpPr>
+          <p:cNvPr id="28" name="文本框 27"/>
+          <p:cNvSpPr txBox="1"/>
+          <p:nvPr/>
+        </p:nvSpPr>
+        <p:spPr>
+          <a:xfrm>
+            <a:off x="3854450" y="5361940"/>
+            <a:ext cx="1296670" cy="306705"/>
+          </a:xfrm>
+          <a:prstGeom prst="rect">
+            <a:avLst/>
+          </a:prstGeom>
+          <a:noFill/>
+        </p:spPr>
+        <p:txBody>
+          <a:bodyPr wrap="square" rtlCol="0">
+            <a:spAutoFit/>
+          </a:bodyPr>
+          <a:p>
+            <a:r>
+              <a:rPr lang="zh-CN" altLang="en-US" sz="1400"/>
+              <a:t>通知</a:t>
+            </a:r>
+            <a:r>
+              <a:rPr lang="en-US" altLang="zh-CN" sz="1400"/>
+              <a:t>Watcher</a:t>
+            </a:r>
+            <a:endParaRPr lang="en-US" altLang="zh-CN" sz="1400"/>
+          </a:p>
+        </p:txBody>
+      </p:sp>
+      <p:sp>
+        <p:nvSpPr>
+          <p:cNvPr id="29" name="文本框 28"/>
+          <p:cNvSpPr txBox="1"/>
+          <p:nvPr/>
+        </p:nvSpPr>
+        <p:spPr>
+          <a:xfrm>
+            <a:off x="5939155" y="3898900"/>
+            <a:ext cx="1296670" cy="306705"/>
+          </a:xfrm>
+          <a:prstGeom prst="rect">
+            <a:avLst/>
+          </a:prstGeom>
+          <a:noFill/>
+        </p:spPr>
+        <p:txBody>
+          <a:bodyPr wrap="square" rtlCol="0">
+            <a:spAutoFit/>
+          </a:bodyPr>
+          <a:p>
+            <a:r>
+              <a:rPr lang="zh-CN" altLang="en-US" sz="1400"/>
+              <a:t>收集依赖</a:t>
+            </a:r>
+            <a:endParaRPr lang="zh-CN" altLang="en-US" sz="1400"/>
+          </a:p>
+        </p:txBody>
+      </p:sp>
+      <p:cxnSp>
+        <p:nvCxnSpPr>
+          <p:cNvPr id="30" name="曲线连接符 29"/>
+          <p:cNvCxnSpPr>
+            <a:stCxn id="11" idx="3"/>
+            <a:endCxn id="13" idx="6"/>
+          </p:cNvCxnSpPr>
+          <p:nvPr/>
+        </p:nvCxnSpPr>
+        <p:spPr>
+          <a:xfrm rot="5400000">
+            <a:off x="6317615" y="3679190"/>
+            <a:ext cx="1989455" cy="1374775"/>
+          </a:xfrm>
+          <a:prstGeom prst="curvedConnector2">
+            <a:avLst/>
+          </a:prstGeom>
+          <a:ln w="25400">
+            <a:solidFill>
+              <a:srgbClr val="7030A0"/>
+            </a:solidFill>
+            <a:prstDash val="dash"/>
+            <a:tailEnd type="arrow"/>
+          </a:ln>
+        </p:spPr>
+        <p:style>
+          <a:lnRef idx="1">
+            <a:schemeClr val="accent1"/>
+          </a:lnRef>
+          <a:fillRef idx="0">
+            <a:schemeClr val="accent1"/>
+          </a:fillRef>
+          <a:effectRef idx="0">
+            <a:schemeClr val="accent1"/>
+          </a:effectRef>
+          <a:fontRef idx="minor">
+            <a:schemeClr val="tx1"/>
+          </a:fontRef>
+        </p:style>
+      </p:cxnSp>
+      <p:sp>
+        <p:nvSpPr>
+          <p:cNvPr id="31" name="文本框 30"/>
+          <p:cNvSpPr txBox="1"/>
+          <p:nvPr/>
+        </p:nvSpPr>
+        <p:spPr>
+          <a:xfrm>
+            <a:off x="7668260" y="4404360"/>
+            <a:ext cx="1296670" cy="306705"/>
+          </a:xfrm>
+          <a:prstGeom prst="rect">
+            <a:avLst/>
+          </a:prstGeom>
+          <a:noFill/>
+        </p:spPr>
+        <p:txBody>
+          <a:bodyPr wrap="square" rtlCol="0">
+            <a:spAutoFit/>
+          </a:bodyPr>
+          <a:p>
+            <a:r>
+              <a:rPr lang="zh-CN" altLang="en-US" sz="1400"/>
+              <a:t>通知依赖</a:t>
+            </a:r>
+            <a:endParaRPr lang="zh-CN" altLang="en-US" sz="1400"/>
+          </a:p>
+        </p:txBody>
+      </p:sp>
+      <p:sp>
+        <p:nvSpPr>
+          <p:cNvPr id="2" name="圆角矩形 1"/>
+          <p:cNvSpPr/>
+          <p:nvPr/>
+        </p:nvSpPr>
+        <p:spPr>
+          <a:xfrm>
+            <a:off x="5939155" y="631825"/>
+            <a:ext cx="1637665" cy="604520"/>
+          </a:xfrm>
+          <a:prstGeom prst="roundRect">
+            <a:avLst/>
+          </a:prstGeom>
+        </p:spPr>
+        <p:style>
+          <a:lnRef idx="2">
+            <a:schemeClr val="accent1">
+              <a:shade val="50000"/>
+            </a:schemeClr>
+          </a:lnRef>
+          <a:fillRef idx="1">
+            <a:schemeClr val="accent1"/>
+          </a:fillRef>
+          <a:effectRef idx="0">
+            <a:schemeClr val="accent1"/>
+          </a:effectRef>
+          <a:fontRef idx="minor">
+            <a:schemeClr val="lt1"/>
+          </a:fontRef>
+        </p:style>
+        <p:txBody>
+          <a:bodyPr rtlCol="0" anchor="ctr"/>
+          <a:p>
+            <a:pPr algn="ctr"/>
+            <a:r>
+              <a:rPr lang="en-US" altLang="zh-CN"/>
+              <a:t>Observer</a:t>
+            </a:r>
+            <a:endParaRPr lang="en-US" altLang="zh-CN"/>
+          </a:p>
+        </p:txBody>
+      </p:sp>
+      <p:sp>
+        <p:nvSpPr>
+          <p:cNvPr id="5" name="文本框 4"/>
+          <p:cNvSpPr txBox="1"/>
+          <p:nvPr/>
+        </p:nvSpPr>
+        <p:spPr>
+          <a:xfrm>
+            <a:off x="6195060" y="1236345"/>
+            <a:ext cx="1127125" cy="306705"/>
+          </a:xfrm>
+          <a:prstGeom prst="rect">
+            <a:avLst/>
+          </a:prstGeom>
+          <a:noFill/>
+        </p:spPr>
+        <p:txBody>
+          <a:bodyPr wrap="square" rtlCol="0">
+            <a:spAutoFit/>
+          </a:bodyPr>
+          <a:p>
+            <a:r>
+              <a:rPr lang="zh-CN" altLang="en-US" sz="1400"/>
+              <a:t>数据监听器</a:t>
+            </a:r>
+            <a:endParaRPr lang="zh-CN" altLang="en-US" sz="1400"/>
+          </a:p>
+        </p:txBody>
+      </p:sp>
+      <p:sp>
+        <p:nvSpPr>
+          <p:cNvPr id="6" name="文本框 5"/>
+          <p:cNvSpPr txBox="1"/>
+          <p:nvPr/>
+        </p:nvSpPr>
+        <p:spPr>
+          <a:xfrm>
+            <a:off x="9515475" y="2632075"/>
+            <a:ext cx="1127125" cy="306705"/>
+          </a:xfrm>
+          <a:prstGeom prst="rect">
+            <a:avLst/>
+          </a:prstGeom>
+          <a:noFill/>
+        </p:spPr>
+        <p:txBody>
+          <a:bodyPr wrap="square" rtlCol="0">
+            <a:spAutoFit/>
+          </a:bodyPr>
+          <a:p>
+            <a:r>
+              <a:rPr lang="zh-CN" altLang="en-US" sz="1400"/>
+              <a:t>响应式数据</a:t>
+            </a:r>
+            <a:endParaRPr lang="zh-CN" altLang="en-US" sz="1400"/>
+          </a:p>
+        </p:txBody>
+      </p:sp>
+      <p:sp>
+        <p:nvSpPr>
+          <p:cNvPr id="9" name="文本框 8"/>
+          <p:cNvSpPr txBox="1"/>
+          <p:nvPr/>
+        </p:nvSpPr>
+        <p:spPr>
+          <a:xfrm>
+            <a:off x="3366770" y="3077845"/>
+            <a:ext cx="680085" cy="306705"/>
+          </a:xfrm>
+          <a:prstGeom prst="rect">
+            <a:avLst/>
+          </a:prstGeom>
+          <a:noFill/>
+        </p:spPr>
+        <p:txBody>
+          <a:bodyPr wrap="square" rtlCol="0">
+            <a:spAutoFit/>
+          </a:bodyPr>
+          <a:p>
+            <a:r>
+              <a:rPr lang="zh-CN" altLang="en-US" sz="1400"/>
+              <a:t>依赖</a:t>
+            </a:r>
+            <a:endParaRPr lang="zh-CN" altLang="en-US" sz="1400"/>
+          </a:p>
+        </p:txBody>
+      </p:sp>
+      <p:sp>
+        <p:nvSpPr>
+          <p:cNvPr id="10" name="文本框 9"/>
+          <p:cNvSpPr txBox="1"/>
+          <p:nvPr/>
+        </p:nvSpPr>
+        <p:spPr>
+          <a:xfrm>
+            <a:off x="5722620" y="5801995"/>
+            <a:ext cx="1253490" cy="306705"/>
+          </a:xfrm>
+          <a:prstGeom prst="rect">
+            <a:avLst/>
+          </a:prstGeom>
+          <a:noFill/>
+        </p:spPr>
+        <p:txBody>
+          <a:bodyPr wrap="square" rtlCol="0">
+            <a:spAutoFit/>
+          </a:bodyPr>
+          <a:p>
+            <a:r>
+              <a:rPr lang="zh-CN" altLang="en-US" sz="1400"/>
+              <a:t>依赖收集</a:t>
+            </a:r>
+            <a:r>
+              <a:rPr lang="zh-CN" altLang="en-US" sz="1400"/>
+              <a:t>器</a:t>
+            </a:r>
+            <a:endParaRPr lang="zh-CN" altLang="en-US" sz="1400"/>
+          </a:p>
+        </p:txBody>
+      </p:sp>
+      <p:sp>
+        <p:nvSpPr>
+          <p:cNvPr id="4" name="椭圆 3"/>
+          <p:cNvSpPr/>
+          <p:nvPr/>
+        </p:nvSpPr>
+        <p:spPr>
+          <a:xfrm>
+            <a:off x="6596380" y="215265"/>
+            <a:ext cx="323215" cy="342900"/>
+          </a:xfrm>
+          <a:prstGeom prst="ellipse">
+            <a:avLst/>
+          </a:prstGeom>
+          <a:solidFill>
+            <a:srgbClr val="C00000"/>
+          </a:solidFill>
+          <a:ln>
+            <a:solidFill>
+              <a:srgbClr val="C00000"/>
+            </a:solidFill>
+          </a:ln>
+        </p:spPr>
+        <p:style>
+          <a:lnRef idx="2">
+            <a:schemeClr val="accent1">
+              <a:shade val="50000"/>
+            </a:schemeClr>
+          </a:lnRef>
+          <a:fillRef idx="1">
+            <a:schemeClr val="accent1"/>
+          </a:fillRef>
+          <a:effectRef idx="0">
+            <a:schemeClr val="accent1"/>
+          </a:effectRef>
+          <a:fontRef idx="minor">
+            <a:schemeClr val="lt1"/>
+          </a:fontRef>
+        </p:style>
+        <p:txBody>
+          <a:bodyPr rtlCol="0" anchor="ctr"/>
+          <a:p>
+            <a:pPr algn="ctr"/>
+            <a:r>
+              <a:rPr lang="en-US" altLang="zh-CN"/>
+              <a:t>1</a:t>
+            </a:r>
+            <a:endParaRPr lang="en-US" altLang="zh-CN"/>
+          </a:p>
+        </p:txBody>
+      </p:sp>
+      <p:sp>
+        <p:nvSpPr>
+          <p:cNvPr id="8" name="椭圆 7"/>
+          <p:cNvSpPr/>
+          <p:nvPr/>
+        </p:nvSpPr>
+        <p:spPr>
+          <a:xfrm>
+            <a:off x="3472180" y="2734945"/>
+            <a:ext cx="323215" cy="342900"/>
+          </a:xfrm>
+          <a:prstGeom prst="ellipse">
+            <a:avLst/>
+          </a:prstGeom>
+          <a:solidFill>
+            <a:srgbClr val="C00000"/>
+          </a:solidFill>
+          <a:ln>
+            <a:solidFill>
+              <a:srgbClr val="C00000"/>
+            </a:solidFill>
+          </a:ln>
+        </p:spPr>
+        <p:style>
+          <a:lnRef idx="2">
+            <a:schemeClr val="accent1">
+              <a:shade val="50000"/>
+            </a:schemeClr>
+          </a:lnRef>
+          <a:fillRef idx="1">
+            <a:schemeClr val="accent1"/>
+          </a:fillRef>
+          <a:effectRef idx="0">
+            <a:schemeClr val="accent1"/>
+          </a:effectRef>
+          <a:fontRef idx="minor">
+            <a:schemeClr val="lt1"/>
+          </a:fontRef>
+        </p:style>
+        <p:txBody>
+          <a:bodyPr rtlCol="0" anchor="ctr"/>
+          <a:p>
+            <a:pPr algn="ctr"/>
+            <a:r>
+              <a:rPr lang="en-US" altLang="zh-CN"/>
+              <a:t>2</a:t>
+            </a:r>
+            <a:endParaRPr lang="en-US" altLang="zh-CN"/>
+          </a:p>
+        </p:txBody>
+      </p:sp>
+      <p:cxnSp>
+        <p:nvCxnSpPr>
+          <p:cNvPr id="18" name="直接箭头连接符 17"/>
+          <p:cNvCxnSpPr>
+            <a:stCxn id="12" idx="7"/>
+            <a:endCxn id="11" idx="1"/>
+          </p:cNvCxnSpPr>
+          <p:nvPr/>
+        </p:nvCxnSpPr>
+        <p:spPr>
+          <a:xfrm flipV="1">
+            <a:off x="4261485" y="2268220"/>
+            <a:ext cx="3738245" cy="1326515"/>
+          </a:xfrm>
+          <a:prstGeom prst="straightConnector1">
+            <a:avLst/>
+          </a:prstGeom>
+          <a:ln w="25400">
+            <a:solidFill>
+              <a:srgbClr val="0070C0"/>
+            </a:solidFill>
+            <a:prstDash val="dash"/>
+            <a:tailEnd type="arrow" w="med" len="med"/>
+          </a:ln>
+        </p:spPr>
+        <p:style>
+          <a:lnRef idx="3">
+            <a:schemeClr val="accent6"/>
+          </a:lnRef>
+          <a:fillRef idx="0">
+            <a:schemeClr val="accent6"/>
+          </a:fillRef>
+          <a:effectRef idx="2">
+            <a:schemeClr val="accent6"/>
+          </a:effectRef>
+          <a:fontRef idx="minor">
+            <a:schemeClr val="tx1"/>
+          </a:fontRef>
+        </p:style>
+      </p:cxnSp>
+      <p:sp>
+        <p:nvSpPr>
+          <p:cNvPr id="21" name="椭圆 20"/>
+          <p:cNvSpPr/>
+          <p:nvPr/>
+        </p:nvSpPr>
+        <p:spPr>
+          <a:xfrm>
+            <a:off x="6146800" y="6175375"/>
+            <a:ext cx="323215" cy="354330"/>
+          </a:xfrm>
+          <a:prstGeom prst="ellipse">
+            <a:avLst/>
+          </a:prstGeom>
+          <a:solidFill>
+            <a:srgbClr val="C00000"/>
+          </a:solidFill>
+          <a:ln>
+            <a:solidFill>
+              <a:srgbClr val="C00000"/>
+            </a:solidFill>
+          </a:ln>
+        </p:spPr>
+        <p:style>
+          <a:lnRef idx="2">
+            <a:schemeClr val="accent1">
+              <a:shade val="50000"/>
+            </a:schemeClr>
+          </a:lnRef>
+          <a:fillRef idx="1">
+            <a:schemeClr val="accent1"/>
+          </a:fillRef>
+          <a:effectRef idx="0">
+            <a:schemeClr val="accent1"/>
+          </a:effectRef>
+          <a:fontRef idx="minor">
+            <a:schemeClr val="lt1"/>
+          </a:fontRef>
+        </p:style>
+        <p:txBody>
+          <a:bodyPr rtlCol="0" anchor="ctr"/>
+          <a:p>
+            <a:pPr algn="ctr"/>
+            <a:r>
+              <a:rPr lang="en-US" altLang="zh-CN"/>
+              <a:t>3</a:t>
+            </a:r>
+            <a:endParaRPr lang="en-US" altLang="zh-CN"/>
+          </a:p>
+        </p:txBody>
+      </p:sp>
+    </p:spTree>
+    <p:custDataLst>
+      <p:tags r:id="rId1"/>
+    </p:custDataLst>
+  </p:cSld>
+  <p:clrMapOvr>
+    <a:masterClrMapping/>
+  </p:clrMapOvr>
+</p:sld>
+</file>
+
+<file path=ppt/slides/slide5.xml><?xml version="1.0" encoding="utf-8"?>
+<p:sld xmlns:a="http://schemas.openxmlformats.org/drawingml/2006/main" xmlns:r="http://schemas.openxmlformats.org/officeDocument/2006/relationships" xmlns:p="http://schemas.openxmlformats.org/presentationml/2006/main">
+  <p:cSld>
+    <p:bg>
+      <p:bgPr>
+        <a:solidFill>
+          <a:schemeClr val="bg1"/>
+        </a:solidFill>
+        <a:effectLst/>
+      </p:bgPr>
+    </p:bg>
+    <p:spTree>
+      <p:nvGrpSpPr>
+        <p:cNvPr id="1" name=""/>
+        <p:cNvGrpSpPr/>
+        <p:nvPr/>
+      </p:nvGrpSpPr>
+      <p:grpSpPr/>
+      <p:sp>
+        <p:nvSpPr>
+          <p:cNvPr id="7" name="圆角矩形 6"/>
+          <p:cNvSpPr/>
+          <p:nvPr/>
+        </p:nvSpPr>
+        <p:spPr>
+          <a:xfrm>
+            <a:off x="1403985" y="1268730"/>
             <a:ext cx="1725295" cy="643255"/>
           </a:xfrm>
           <a:prstGeom prst="roundRect">
@@ -7856,7 +9038,7 @@
                 <a:latin typeface="微软雅黑" panose="020B0503020204020204" charset="-122"/>
                 <a:ea typeface="微软雅黑" panose="020B0503020204020204" charset="-122"/>
               </a:rPr>
-              <a:t>Controller</a:t>
+              <a:t>View</a:t>
             </a:r>
             <a:endParaRPr lang="en-US" altLang="zh-CN" b="1">
               <a:solidFill>
@@ -7872,13 +9054,13 @@
       </p:sp>
       <p:sp>
         <p:nvSpPr>
-          <p:cNvPr id="5" name="圆角矩形 4"/>
+          <p:cNvPr id="4" name="圆角矩形 3"/>
           <p:cNvSpPr/>
           <p:nvPr/>
         </p:nvSpPr>
         <p:spPr>
           <a:xfrm>
-            <a:off x="7394575" y="1268730"/>
+            <a:off x="4446270" y="1268730"/>
             <a:ext cx="1725295" cy="643255"/>
           </a:xfrm>
           <a:prstGeom prst="roundRect">
@@ -7927,7 +9109,7 @@
                 <a:latin typeface="微软雅黑" panose="020B0503020204020204" charset="-122"/>
                 <a:ea typeface="微软雅黑" panose="020B0503020204020204" charset="-122"/>
               </a:rPr>
-              <a:t>Model</a:t>
+              <a:t>Controller</a:t>
             </a:r>
             <a:endParaRPr lang="en-US" altLang="zh-CN" b="1">
               <a:solidFill>
@@ -7943,13 +9125,13 @@
       </p:sp>
       <p:sp>
         <p:nvSpPr>
-          <p:cNvPr id="6" name="圆角矩形 5"/>
+          <p:cNvPr id="5" name="圆角矩形 4"/>
           <p:cNvSpPr/>
           <p:nvPr/>
         </p:nvSpPr>
         <p:spPr>
           <a:xfrm>
-            <a:off x="1403985" y="3560445"/>
+            <a:off x="7394575" y="1268730"/>
             <a:ext cx="1725295" cy="643255"/>
           </a:xfrm>
           <a:prstGeom prst="roundRect">
@@ -7998,7 +9180,7 @@
                 <a:latin typeface="微软雅黑" panose="020B0503020204020204" charset="-122"/>
                 <a:ea typeface="微软雅黑" panose="020B0503020204020204" charset="-122"/>
               </a:rPr>
-              <a:t>View</a:t>
+              <a:t>Model</a:t>
             </a:r>
             <a:endParaRPr lang="en-US" altLang="zh-CN" b="1">
               <a:solidFill>
@@ -8014,13 +9196,13 @@
       </p:sp>
       <p:sp>
         <p:nvSpPr>
-          <p:cNvPr id="8" name="圆角矩形 7"/>
+          <p:cNvPr id="6" name="圆角矩形 5"/>
           <p:cNvSpPr/>
           <p:nvPr/>
         </p:nvSpPr>
         <p:spPr>
           <a:xfrm>
-            <a:off x="4446270" y="3560445"/>
+            <a:off x="1403985" y="3560445"/>
             <a:ext cx="1725295" cy="643255"/>
           </a:xfrm>
           <a:prstGeom prst="roundRect">
@@ -8069,7 +9251,78 @@
                 <a:latin typeface="微软雅黑" panose="020B0503020204020204" charset="-122"/>
                 <a:ea typeface="微软雅黑" panose="020B0503020204020204" charset="-122"/>
               </a:rPr>
-              <a:t>ModelView</a:t>
+              <a:t>View</a:t>
+            </a:r>
+            <a:endParaRPr lang="en-US" altLang="zh-CN" b="1">
+              <a:solidFill>
+                <a:schemeClr val="accent1">
+                  <a:lumMod val="75000"/>
+                </a:schemeClr>
+              </a:solidFill>
+              <a:latin typeface="微软雅黑" panose="020B0503020204020204" charset="-122"/>
+              <a:ea typeface="微软雅黑" panose="020B0503020204020204" charset="-122"/>
+            </a:endParaRPr>
+          </a:p>
+        </p:txBody>
+      </p:sp>
+      <p:sp>
+        <p:nvSpPr>
+          <p:cNvPr id="8" name="圆角矩形 7"/>
+          <p:cNvSpPr/>
+          <p:nvPr/>
+        </p:nvSpPr>
+        <p:spPr>
+          <a:xfrm>
+            <a:off x="4446270" y="3560445"/>
+            <a:ext cx="1725295" cy="643255"/>
+          </a:xfrm>
+          <a:prstGeom prst="roundRect">
+            <a:avLst/>
+          </a:prstGeom>
+          <a:solidFill>
+            <a:schemeClr val="accent1">
+              <a:lumMod val="20000"/>
+              <a:lumOff val="80000"/>
+            </a:schemeClr>
+          </a:solidFill>
+          <a:ln w="28575" cmpd="sng">
+            <a:solidFill>
+              <a:schemeClr val="accent1">
+                <a:shade val="50000"/>
+              </a:schemeClr>
+            </a:solidFill>
+            <a:prstDash val="solid"/>
+          </a:ln>
+        </p:spPr>
+        <p:style>
+          <a:lnRef idx="1">
+            <a:schemeClr val="accent1"/>
+          </a:lnRef>
+          <a:fillRef idx="2">
+            <a:schemeClr val="accent1"/>
+          </a:fillRef>
+          <a:effectRef idx="1">
+            <a:schemeClr val="accent1"/>
+          </a:effectRef>
+          <a:fontRef idx="minor">
+            <a:schemeClr val="dk1"/>
+          </a:fontRef>
+        </p:style>
+        <p:txBody>
+          <a:bodyPr rtlCol="0" anchor="ctr"/>
+          <a:p>
+            <a:pPr algn="ctr"/>
+            <a:r>
+              <a:rPr lang="en-US" altLang="zh-CN" b="1">
+                <a:solidFill>
+                  <a:schemeClr val="accent1">
+                    <a:lumMod val="75000"/>
+                  </a:schemeClr>
+                </a:solidFill>
+                <a:latin typeface="微软雅黑" panose="020B0503020204020204" charset="-122"/>
+                <a:ea typeface="微软雅黑" panose="020B0503020204020204" charset="-122"/>
+              </a:rPr>
+              <a:t>ViewModel</a:t>
             </a:r>
             <a:endParaRPr lang="en-US" altLang="zh-CN" b="1">
               <a:solidFill>
@@ -8489,7 +9742,7 @@
 </p:sld>
 </file>
 
-<file path=ppt/slides/slide5.xml><?xml version="1.0" encoding="utf-8"?>
+<file path=ppt/slides/slide6.xml><?xml version="1.0" encoding="utf-8"?>
 <p:sld xmlns:a="http://schemas.openxmlformats.org/drawingml/2006/main" xmlns:r="http://schemas.openxmlformats.org/officeDocument/2006/relationships" xmlns:p="http://schemas.openxmlformats.org/presentationml/2006/main">
   <p:cSld>
     <p:bg>
@@ -8649,7 +9902,7 @@
                   <a:latin typeface="微软雅黑" panose="020B0503020204020204" charset="-122"/>
                   <a:ea typeface="微软雅黑" panose="020B0503020204020204" charset="-122"/>
                 </a:rPr>
-                <a:t>ModelView</a:t>
+                <a:t>ViewModel</a:t>
               </a:r>
               <a:endParaRPr lang="en-US" altLang="zh-CN" b="1">
                 <a:solidFill>
@@ -9345,7 +10598,7 @@
 </p:sld>
 </file>
 
-<file path=ppt/slides/slide6.xml><?xml version="1.0" encoding="utf-8"?>
+<file path=ppt/slides/slide7.xml><?xml version="1.0" encoding="utf-8"?>
 <p:sld xmlns:a="http://schemas.openxmlformats.org/drawingml/2006/main" xmlns:r="http://schemas.openxmlformats.org/officeDocument/2006/relationships" xmlns:p="http://schemas.openxmlformats.org/presentationml/2006/main">
   <p:cSld>
     <p:bg>
@@ -9505,7 +10758,7 @@
                   <a:latin typeface="微软雅黑" panose="020B0503020204020204" charset="-122"/>
                   <a:ea typeface="微软雅黑" panose="020B0503020204020204" charset="-122"/>
                 </a:rPr>
-                <a:t>ModelView</a:t>
+                <a:t>ViewModel</a:t>
               </a:r>
               <a:endParaRPr lang="en-US" altLang="zh-CN" b="1">
                 <a:solidFill>
@@ -9980,7 +11233,7 @@
 </p:sld>
 </file>
 
-<file path=ppt/slides/slide7.xml><?xml version="1.0" encoding="utf-8"?>
+<file path=ppt/slides/slide8.xml><?xml version="1.0" encoding="utf-8"?>
 <p:sld xmlns:a="http://schemas.openxmlformats.org/drawingml/2006/main" xmlns:r="http://schemas.openxmlformats.org/officeDocument/2006/relationships" xmlns:p="http://schemas.openxmlformats.org/presentationml/2006/main">
   <p:cSld>
     <p:bg>
@@ -11571,9 +12824,19 @@
 
 <file path=ppt/tags/tag65.xml><?xml version="1.0" encoding="utf-8"?>
 <p:tagLst xmlns:p="http://schemas.openxmlformats.org/presentationml/2006/main">
+  <p:tag name="KSO_WM_TEMPLATE_THUMBS_INDEX" val="1、2、3、6、8、10、11、12、15"/>
+  <p:tag name="KSO_WM_SLIDE_ID" val="custom20187308_1"/>
+  <p:tag name="KSO_WM_TEMPLATE_SUBCATEGORY" val="0"/>
+  <p:tag name="KSO_WM_SLIDE_TYPE" val="title"/>
+  <p:tag name="KSO_WM_SLIDE_SUBTYPE" val="pureTxt"/>
+  <p:tag name="KSO_WM_SLIDE_ITEM_CNT" val="0"/>
+  <p:tag name="KSO_WM_SLIDE_INDEX" val="1"/>
+  <p:tag name="KSO_WM_TAG_VERSION" val="1.0"/>
   <p:tag name="KSO_WM_BEAUTIFY_FLAG" val="#wm#"/>
   <p:tag name="KSO_WM_TEMPLATE_CATEGORY" val="custom"/>
   <p:tag name="KSO_WM_TEMPLATE_INDEX" val="20187308"/>
+  <p:tag name="KSO_WM_SLIDE_LAYOUT" val="a_b"/>
+  <p:tag name="KSO_WM_SLIDE_LAYOUT_CNT" val="1_1"/>
 </p:tagLst>
 </file>
 
@@ -11594,6 +12857,14 @@
 </file>
 
 <file path=ppt/tags/tag68.xml><?xml version="1.0" encoding="utf-8"?>
+<p:tagLst xmlns:p="http://schemas.openxmlformats.org/presentationml/2006/main">
+  <p:tag name="KSO_WM_BEAUTIFY_FLAG" val="#wm#"/>
+  <p:tag name="KSO_WM_TEMPLATE_CATEGORY" val="custom"/>
+  <p:tag name="KSO_WM_TEMPLATE_INDEX" val="20187308"/>
+</p:tagLst>
+</file>
+
+<file path=ppt/tags/tag69.xml><?xml version="1.0" encoding="utf-8"?>
 <p:tagLst xmlns:p="http://schemas.openxmlformats.org/presentationml/2006/main">
   <p:tag name="KSO_WM_BEAUTIFY_FLAG" val="#wm#"/>
   <p:tag name="KSO_WM_TEMPLATE_CATEGORY" val="custom"/>
